--- a/Report and Presentation/Presentation Powerpoint.pptx
+++ b/Report and Presentation/Presentation Powerpoint.pptx
@@ -116,6 +116,11 @@
       </a:defRPr>
     </a:lvl9pPr>
   </p:defaultTextStyle>
+  <p:extLst>
+    <p:ext uri="{EFAFB233-063F-42B5-8137-9DF3F51BA10A}">
+      <p15:sldGuideLst xmlns:p15="http://schemas.microsoft.com/office/powerpoint/2012/main"/>
+    </p:ext>
+  </p:extLst>
 </p:presentation>
 </file>
 
@@ -132,10 +137,25 @@
   <pc:docChgLst>
     <pc:chgData name="LIU, Yunfei [Student]" userId="134a1745-83fa-409d-b14e-dab8b4ff57fe" providerId="ADAL" clId="{900E18E1-4112-42C2-8802-5A170F6DF7DC}"/>
     <pc:docChg chg="undo custSel addSld delSld modSld">
-      <pc:chgData name="LIU, Yunfei [Student]" userId="134a1745-83fa-409d-b14e-dab8b4ff57fe" providerId="ADAL" clId="{900E18E1-4112-42C2-8802-5A170F6DF7DC}" dt="2021-05-10T08:25:36.700" v="671" actId="20577"/>
+      <pc:chgData name="LIU, Yunfei [Student]" userId="134a1745-83fa-409d-b14e-dab8b4ff57fe" providerId="ADAL" clId="{900E18E1-4112-42C2-8802-5A170F6DF7DC}" dt="2021-05-10T08:31:30.282" v="727" actId="20577"/>
       <pc:docMkLst>
         <pc:docMk/>
       </pc:docMkLst>
+      <pc:sldChg chg="modSp mod">
+        <pc:chgData name="LIU, Yunfei [Student]" userId="134a1745-83fa-409d-b14e-dab8b4ff57fe" providerId="ADAL" clId="{900E18E1-4112-42C2-8802-5A170F6DF7DC}" dt="2021-05-10T08:31:30.282" v="727" actId="20577"/>
+        <pc:sldMkLst>
+          <pc:docMk/>
+          <pc:sldMk cId="1108432234" sldId="261"/>
+        </pc:sldMkLst>
+        <pc:spChg chg="mod">
+          <ac:chgData name="LIU, Yunfei [Student]" userId="134a1745-83fa-409d-b14e-dab8b4ff57fe" providerId="ADAL" clId="{900E18E1-4112-42C2-8802-5A170F6DF7DC}" dt="2021-05-10T08:31:30.282" v="727" actId="20577"/>
+          <ac:spMkLst>
+            <pc:docMk/>
+            <pc:sldMk cId="1108432234" sldId="261"/>
+            <ac:spMk id="3" creationId="{950317A4-5377-49AF-9C2B-00897875C794}"/>
+          </ac:spMkLst>
+        </pc:spChg>
+      </pc:sldChg>
       <pc:sldChg chg="addSp modSp mod">
         <pc:chgData name="LIU, Yunfei [Student]" userId="134a1745-83fa-409d-b14e-dab8b4ff57fe" providerId="ADAL" clId="{900E18E1-4112-42C2-8802-5A170F6DF7DC}" dt="2021-05-10T07:53:14.913" v="17" actId="1076"/>
         <pc:sldMkLst>
@@ -506,7 +526,7 @@
             <a:fld id="{3F9AFA87-1417-4992-ABD9-27C3BC8CC883}" type="datetimeFigureOut">
               <a:rPr lang="en-US" smtClean="0"/>
               <a:pPr algn="r"/>
-              <a:t>5/9/2021</a:t>
+              <a:t>5/10/2021</a:t>
             </a:fld>
             <a:endParaRPr lang="en-US" dirty="0"/>
           </a:p>
@@ -707,7 +727,7 @@
           <a:p>
             <a:fld id="{3F9AFA87-1417-4992-ABD9-27C3BC8CC883}" type="datetimeFigureOut">
               <a:rPr lang="en-US" smtClean="0"/>
-              <a:t>5/9/2021</a:t>
+              <a:t>5/10/2021</a:t>
             </a:fld>
             <a:endParaRPr lang="en-US"/>
           </a:p>
@@ -917,7 +937,7 @@
           <a:p>
             <a:fld id="{3F9AFA87-1417-4992-ABD9-27C3BC8CC883}" type="datetimeFigureOut">
               <a:rPr lang="en-US" smtClean="0"/>
-              <a:t>5/9/2021</a:t>
+              <a:t>5/10/2021</a:t>
             </a:fld>
             <a:endParaRPr lang="en-US"/>
           </a:p>
@@ -1115,7 +1135,7 @@
           <a:p>
             <a:fld id="{3F9AFA87-1417-4992-ABD9-27C3BC8CC883}" type="datetimeFigureOut">
               <a:rPr lang="en-US" smtClean="0"/>
-              <a:t>5/9/2021</a:t>
+              <a:t>5/10/2021</a:t>
             </a:fld>
             <a:endParaRPr lang="en-US"/>
           </a:p>
@@ -1389,7 +1409,7 @@
           <a:p>
             <a:fld id="{3F9AFA87-1417-4992-ABD9-27C3BC8CC883}" type="datetimeFigureOut">
               <a:rPr lang="en-US" smtClean="0"/>
-              <a:t>5/9/2021</a:t>
+              <a:t>5/10/2021</a:t>
             </a:fld>
             <a:endParaRPr lang="en-US"/>
           </a:p>
@@ -1654,7 +1674,7 @@
           <a:p>
             <a:fld id="{3F9AFA87-1417-4992-ABD9-27C3BC8CC883}" type="datetimeFigureOut">
               <a:rPr lang="en-US" smtClean="0"/>
-              <a:t>5/9/2021</a:t>
+              <a:t>5/10/2021</a:t>
             </a:fld>
             <a:endParaRPr lang="en-US" dirty="0"/>
           </a:p>
@@ -2041,7 +2061,7 @@
           <a:p>
             <a:fld id="{3F9AFA87-1417-4992-ABD9-27C3BC8CC883}" type="datetimeFigureOut">
               <a:rPr lang="en-US" smtClean="0"/>
-              <a:t>5/9/2021</a:t>
+              <a:t>5/10/2021</a:t>
             </a:fld>
             <a:endParaRPr lang="en-US"/>
           </a:p>
@@ -2211,7 +2231,7 @@
           <a:p>
             <a:fld id="{3F9AFA87-1417-4992-ABD9-27C3BC8CC883}" type="datetimeFigureOut">
               <a:rPr lang="en-US" smtClean="0"/>
-              <a:t>5/9/2021</a:t>
+              <a:t>5/10/2021</a:t>
             </a:fld>
             <a:endParaRPr lang="en-US"/>
           </a:p>
@@ -2324,7 +2344,7 @@
           <a:p>
             <a:fld id="{3F9AFA87-1417-4992-ABD9-27C3BC8CC883}" type="datetimeFigureOut">
               <a:rPr lang="en-US" smtClean="0"/>
-              <a:t>5/9/2021</a:t>
+              <a:t>5/10/2021</a:t>
             </a:fld>
             <a:endParaRPr lang="en-US"/>
           </a:p>
@@ -2644,7 +2664,7 @@
           <a:p>
             <a:fld id="{3F9AFA87-1417-4992-ABD9-27C3BC8CC883}" type="datetimeFigureOut">
               <a:rPr lang="en-US" smtClean="0"/>
-              <a:t>5/9/2021</a:t>
+              <a:t>5/10/2021</a:t>
             </a:fld>
             <a:endParaRPr lang="en-US"/>
           </a:p>
@@ -2949,7 +2969,7 @@
           <a:p>
             <a:fld id="{3F9AFA87-1417-4992-ABD9-27C3BC8CC883}" type="datetimeFigureOut">
               <a:rPr lang="en-US" smtClean="0"/>
-              <a:t>5/9/2021</a:t>
+              <a:t>5/10/2021</a:t>
             </a:fld>
             <a:endParaRPr lang="en-US"/>
           </a:p>
@@ -3192,7 +3212,7 @@
             <a:fld id="{3F9AFA87-1417-4992-ABD9-27C3BC8CC883}" type="datetimeFigureOut">
               <a:rPr lang="en-US" smtClean="0"/>
               <a:pPr algn="r"/>
-              <a:t>5/9/2021</a:t>
+              <a:t>5/10/2021</a:t>
             </a:fld>
             <a:endParaRPr lang="en-US" dirty="0"/>
           </a:p>
@@ -5170,6 +5190,20 @@
           <a:lstStyle/>
           <a:p>
             <a:r>
+              <a:rPr lang="en-US" altLang="zh-CN" dirty="0"/>
+              <a:t>We refer to the algorithm </a:t>
+            </a:r>
+            <a:r>
+              <a:rPr lang="en-US" altLang="zh-CN"/>
+              <a:t>of Elastic Search</a:t>
+            </a:r>
+            <a:endParaRPr lang="en-US" dirty="0"/>
+          </a:p>
+          <a:p>
+            <a:endParaRPr lang="en-US" dirty="0"/>
+          </a:p>
+          <a:p>
+            <a:r>
               <a:rPr lang="en-US" dirty="0"/>
               <a:t>We use “relative index” for sorting.</a:t>
             </a:r>

--- a/Report and Presentation/Presentation Powerpoint.pptx
+++ b/Report and Presentation/Presentation Powerpoint.pptx
@@ -127,7 +127,7 @@
 <file path=ppt/revisionInfo.xml><?xml version="1.0" encoding="utf-8"?>
 <p1510:revInfo xmlns:a="http://schemas.openxmlformats.org/drawingml/2006/main" xmlns:r="http://schemas.openxmlformats.org/officeDocument/2006/relationships" xmlns:p1510="http://schemas.microsoft.com/office/powerpoint/2015/10/main">
   <p1510:revLst>
-    <p1510:client id="{900E18E1-4112-42C2-8802-5A170F6DF7DC}" v="28" dt="2021-05-10T08:16:50.665"/>
+    <p1510:client id="{900E18E1-4112-42C2-8802-5A170F6DF7DC}" v="33" dt="2021-05-10T08:37:03.096"/>
   </p1510:revLst>
 </p1510:revInfo>
 </file>
@@ -137,12 +137,12 @@
   <pc:docChgLst>
     <pc:chgData name="LIU, Yunfei [Student]" userId="134a1745-83fa-409d-b14e-dab8b4ff57fe" providerId="ADAL" clId="{900E18E1-4112-42C2-8802-5A170F6DF7DC}"/>
     <pc:docChg chg="undo custSel addSld delSld modSld">
-      <pc:chgData name="LIU, Yunfei [Student]" userId="134a1745-83fa-409d-b14e-dab8b4ff57fe" providerId="ADAL" clId="{900E18E1-4112-42C2-8802-5A170F6DF7DC}" dt="2021-05-10T08:31:30.282" v="727" actId="20577"/>
+      <pc:chgData name="LIU, Yunfei [Student]" userId="134a1745-83fa-409d-b14e-dab8b4ff57fe" providerId="ADAL" clId="{900E18E1-4112-42C2-8802-5A170F6DF7DC}" dt="2021-05-10T08:37:03.090" v="732" actId="1076"/>
       <pc:docMkLst>
         <pc:docMk/>
       </pc:docMkLst>
-      <pc:sldChg chg="modSp mod">
-        <pc:chgData name="LIU, Yunfei [Student]" userId="134a1745-83fa-409d-b14e-dab8b4ff57fe" providerId="ADAL" clId="{900E18E1-4112-42C2-8802-5A170F6DF7DC}" dt="2021-05-10T08:31:30.282" v="727" actId="20577"/>
+      <pc:sldChg chg="addSp modSp mod">
+        <pc:chgData name="LIU, Yunfei [Student]" userId="134a1745-83fa-409d-b14e-dab8b4ff57fe" providerId="ADAL" clId="{900E18E1-4112-42C2-8802-5A170F6DF7DC}" dt="2021-05-10T08:37:03.090" v="732" actId="1076"/>
         <pc:sldMkLst>
           <pc:docMk/>
           <pc:sldMk cId="1108432234" sldId="261"/>
@@ -155,6 +155,14 @@
             <ac:spMk id="3" creationId="{950317A4-5377-49AF-9C2B-00897875C794}"/>
           </ac:spMkLst>
         </pc:spChg>
+        <pc:picChg chg="add mod">
+          <ac:chgData name="LIU, Yunfei [Student]" userId="134a1745-83fa-409d-b14e-dab8b4ff57fe" providerId="ADAL" clId="{900E18E1-4112-42C2-8802-5A170F6DF7DC}" dt="2021-05-10T08:37:03.090" v="732" actId="1076"/>
+          <ac:picMkLst>
+            <pc:docMk/>
+            <pc:sldMk cId="1108432234" sldId="261"/>
+            <ac:picMk id="1026" creationId="{272AAF13-B8FE-477B-A26F-3B0A444ECBD1}"/>
+          </ac:picMkLst>
+        </pc:picChg>
       </pc:sldChg>
       <pc:sldChg chg="addSp modSp mod">
         <pc:chgData name="LIU, Yunfei [Student]" userId="134a1745-83fa-409d-b14e-dab8b4ff57fe" providerId="ADAL" clId="{900E18E1-4112-42C2-8802-5A170F6DF7DC}" dt="2021-05-10T07:53:14.913" v="17" actId="1076"/>
@@ -5219,6 +5227,53 @@
           </a:p>
         </p:txBody>
       </p:sp>
+      <p:pic>
+        <p:nvPicPr>
+          <p:cNvPr id="1026" name="Picture 2" descr="Getting up and running a basic managed Alibaba Cloud ElasticSearch »  Alberto Roura's Blog">
+            <a:extLst>
+              <a:ext uri="{FF2B5EF4-FFF2-40B4-BE49-F238E27FC236}">
+                <a16:creationId xmlns:a16="http://schemas.microsoft.com/office/drawing/2014/main" id="{272AAF13-B8FE-477B-A26F-3B0A444ECBD1}"/>
+              </a:ext>
+            </a:extLst>
+          </p:cNvPr>
+          <p:cNvPicPr>
+            <a:picLocks noChangeAspect="1" noChangeArrowheads="1"/>
+          </p:cNvPicPr>
+          <p:nvPr/>
+        </p:nvPicPr>
+        <p:blipFill>
+          <a:blip r:embed="rId2">
+            <a:extLst>
+              <a:ext uri="{28A0092B-C50C-407E-A947-70E740481C1C}">
+                <a14:useLocalDpi xmlns:a14="http://schemas.microsoft.com/office/drawing/2010/main" val="0"/>
+              </a:ext>
+            </a:extLst>
+          </a:blip>
+          <a:srcRect/>
+          <a:stretch>
+            <a:fillRect/>
+          </a:stretch>
+        </p:blipFill>
+        <p:spPr bwMode="auto">
+          <a:xfrm>
+            <a:off x="7239000" y="758952"/>
+            <a:ext cx="4238625" cy="2205962"/>
+          </a:xfrm>
+          <a:prstGeom prst="rect">
+            <a:avLst/>
+          </a:prstGeom>
+          <a:noFill/>
+          <a:extLst>
+            <a:ext uri="{909E8E84-426E-40DD-AFC4-6F175D3DCCD1}">
+              <a14:hiddenFill xmlns:a14="http://schemas.microsoft.com/office/drawing/2010/main">
+                <a:solidFill>
+                  <a:srgbClr val="FFFFFF"/>
+                </a:solidFill>
+              </a14:hiddenFill>
+            </a:ext>
+          </a:extLst>
+        </p:spPr>
+      </p:pic>
     </p:spTree>
     <p:extLst>
       <p:ext uri="{BB962C8B-B14F-4D97-AF65-F5344CB8AC3E}">

--- a/Report and Presentation/Presentation Powerpoint.pptx
+++ b/Report and Presentation/Presentation Powerpoint.pptx
@@ -12,12 +12,11 @@
     <p:sldId id="261" r:id="rId6"/>
     <p:sldId id="260" r:id="rId7"/>
     <p:sldId id="262" r:id="rId8"/>
-    <p:sldId id="263" r:id="rId9"/>
-    <p:sldId id="264" r:id="rId10"/>
-    <p:sldId id="265" r:id="rId11"/>
-    <p:sldId id="266" r:id="rId12"/>
-    <p:sldId id="267" r:id="rId13"/>
-    <p:sldId id="269" r:id="rId14"/>
+    <p:sldId id="264" r:id="rId9"/>
+    <p:sldId id="265" r:id="rId10"/>
+    <p:sldId id="266" r:id="rId11"/>
+    <p:sldId id="267" r:id="rId12"/>
+    <p:sldId id="269" r:id="rId13"/>
   </p:sldIdLst>
   <p:sldSz cx="12192000" cy="6858000"/>
   <p:notesSz cx="6858000" cy="9144000"/>
@@ -127,7 +126,7 @@
 <file path=ppt/revisionInfo.xml><?xml version="1.0" encoding="utf-8"?>
 <p1510:revInfo xmlns:a="http://schemas.openxmlformats.org/drawingml/2006/main" xmlns:r="http://schemas.openxmlformats.org/officeDocument/2006/relationships" xmlns:p1510="http://schemas.microsoft.com/office/powerpoint/2015/10/main">
   <p1510:revLst>
-    <p1510:client id="{900E18E1-4112-42C2-8802-5A170F6DF7DC}" v="35" dt="2021-05-10T09:50:33.815"/>
+    <p1510:client id="{900E18E1-4112-42C2-8802-5A170F6DF7DC}" v="51" dt="2021-05-10T11:04:11.096"/>
   </p1510:revLst>
 </p1510:revInfo>
 </file>
@@ -136,13 +135,27 @@
 <pc:chgInfo xmlns:a="http://schemas.openxmlformats.org/drawingml/2006/main" xmlns:r="http://schemas.openxmlformats.org/officeDocument/2006/relationships" xmlns:ac="http://schemas.microsoft.com/office/drawing/2013/main/command" xmlns:pc="http://schemas.microsoft.com/office/powerpoint/2013/main/command">
   <pc:docChgLst>
     <pc:chgData name="LIU, Yunfei [Student]" userId="134a1745-83fa-409d-b14e-dab8b4ff57fe" providerId="ADAL" clId="{900E18E1-4112-42C2-8802-5A170F6DF7DC}"/>
-    <pc:docChg chg="undo custSel addSld delSld modSld">
-      <pc:chgData name="LIU, Yunfei [Student]" userId="134a1745-83fa-409d-b14e-dab8b4ff57fe" providerId="ADAL" clId="{900E18E1-4112-42C2-8802-5A170F6DF7DC}" dt="2021-05-10T09:50:33.806" v="1005" actId="1076"/>
+    <pc:docChg chg="undo custSel addSld delSld modSld modMainMaster">
+      <pc:chgData name="LIU, Yunfei [Student]" userId="134a1745-83fa-409d-b14e-dab8b4ff57fe" providerId="ADAL" clId="{900E18E1-4112-42C2-8802-5A170F6DF7DC}" dt="2021-05-10T11:04:11.096" v="1094"/>
       <pc:docMkLst>
         <pc:docMk/>
       </pc:docMkLst>
-      <pc:sldChg chg="modSp mod">
-        <pc:chgData name="LIU, Yunfei [Student]" userId="134a1745-83fa-409d-b14e-dab8b4ff57fe" providerId="ADAL" clId="{900E18E1-4112-42C2-8802-5A170F6DF7DC}" dt="2021-05-10T09:45:59.616" v="908" actId="20577"/>
+      <pc:sldChg chg="modTransition">
+        <pc:chgData name="LIU, Yunfei [Student]" userId="134a1745-83fa-409d-b14e-dab8b4ff57fe" providerId="ADAL" clId="{900E18E1-4112-42C2-8802-5A170F6DF7DC}" dt="2021-05-10T11:04:11.096" v="1094"/>
+        <pc:sldMkLst>
+          <pc:docMk/>
+          <pc:sldMk cId="2738201714" sldId="256"/>
+        </pc:sldMkLst>
+      </pc:sldChg>
+      <pc:sldChg chg="modTransition">
+        <pc:chgData name="LIU, Yunfei [Student]" userId="134a1745-83fa-409d-b14e-dab8b4ff57fe" providerId="ADAL" clId="{900E18E1-4112-42C2-8802-5A170F6DF7DC}" dt="2021-05-10T11:04:11.096" v="1094"/>
+        <pc:sldMkLst>
+          <pc:docMk/>
+          <pc:sldMk cId="2212673990" sldId="257"/>
+        </pc:sldMkLst>
+      </pc:sldChg>
+      <pc:sldChg chg="modSp mod modTransition">
+        <pc:chgData name="LIU, Yunfei [Student]" userId="134a1745-83fa-409d-b14e-dab8b4ff57fe" providerId="ADAL" clId="{900E18E1-4112-42C2-8802-5A170F6DF7DC}" dt="2021-05-10T11:04:11.096" v="1094"/>
         <pc:sldMkLst>
           <pc:docMk/>
           <pc:sldMk cId="2979341434" sldId="258"/>
@@ -156,8 +169,46 @@
           </ac:spMkLst>
         </pc:spChg>
       </pc:sldChg>
-      <pc:sldChg chg="addSp modSp mod">
-        <pc:chgData name="LIU, Yunfei [Student]" userId="134a1745-83fa-409d-b14e-dab8b4ff57fe" providerId="ADAL" clId="{900E18E1-4112-42C2-8802-5A170F6DF7DC}" dt="2021-05-10T09:50:33.806" v="1005" actId="1076"/>
+      <pc:sldChg chg="modTransition">
+        <pc:chgData name="LIU, Yunfei [Student]" userId="134a1745-83fa-409d-b14e-dab8b4ff57fe" providerId="ADAL" clId="{900E18E1-4112-42C2-8802-5A170F6DF7DC}" dt="2021-05-10T11:04:11.096" v="1094"/>
+        <pc:sldMkLst>
+          <pc:docMk/>
+          <pc:sldMk cId="1856230245" sldId="259"/>
+        </pc:sldMkLst>
+      </pc:sldChg>
+      <pc:sldChg chg="addSp delSp modSp mod modTransition">
+        <pc:chgData name="LIU, Yunfei [Student]" userId="134a1745-83fa-409d-b14e-dab8b4ff57fe" providerId="ADAL" clId="{900E18E1-4112-42C2-8802-5A170F6DF7DC}" dt="2021-05-10T11:04:11.096" v="1094"/>
+        <pc:sldMkLst>
+          <pc:docMk/>
+          <pc:sldMk cId="3487136658" sldId="260"/>
+        </pc:sldMkLst>
+        <pc:spChg chg="del">
+          <ac:chgData name="LIU, Yunfei [Student]" userId="134a1745-83fa-409d-b14e-dab8b4ff57fe" providerId="ADAL" clId="{900E18E1-4112-42C2-8802-5A170F6DF7DC}" dt="2021-05-10T10:48:15.339" v="1006" actId="478"/>
+          <ac:spMkLst>
+            <pc:docMk/>
+            <pc:sldMk cId="3487136658" sldId="260"/>
+            <ac:spMk id="3" creationId="{E87D1561-59DB-4C96-AAD6-5C37D7BF44EC}"/>
+          </ac:spMkLst>
+        </pc:spChg>
+        <pc:spChg chg="add del mod">
+          <ac:chgData name="LIU, Yunfei [Student]" userId="134a1745-83fa-409d-b14e-dab8b4ff57fe" providerId="ADAL" clId="{900E18E1-4112-42C2-8802-5A170F6DF7DC}" dt="2021-05-10T10:48:49.424" v="1007" actId="931"/>
+          <ac:spMkLst>
+            <pc:docMk/>
+            <pc:sldMk cId="3487136658" sldId="260"/>
+            <ac:spMk id="5" creationId="{2ED9E4FA-4981-4829-99D8-3E08F2E0E4C7}"/>
+          </ac:spMkLst>
+        </pc:spChg>
+        <pc:picChg chg="add mod">
+          <ac:chgData name="LIU, Yunfei [Student]" userId="134a1745-83fa-409d-b14e-dab8b4ff57fe" providerId="ADAL" clId="{900E18E1-4112-42C2-8802-5A170F6DF7DC}" dt="2021-05-10T10:49:01.945" v="1015" actId="1076"/>
+          <ac:picMkLst>
+            <pc:docMk/>
+            <pc:sldMk cId="3487136658" sldId="260"/>
+            <ac:picMk id="7" creationId="{E4284740-C311-46DA-8A46-B8AF77F8DDDB}"/>
+          </ac:picMkLst>
+        </pc:picChg>
+      </pc:sldChg>
+      <pc:sldChg chg="addSp modSp mod modTransition">
+        <pc:chgData name="LIU, Yunfei [Student]" userId="134a1745-83fa-409d-b14e-dab8b4ff57fe" providerId="ADAL" clId="{900E18E1-4112-42C2-8802-5A170F6DF7DC}" dt="2021-05-10T11:04:11.096" v="1094"/>
         <pc:sldMkLst>
           <pc:docMk/>
           <pc:sldMk cId="1108432234" sldId="261"/>
@@ -179,8 +230,30 @@
           </ac:picMkLst>
         </pc:picChg>
       </pc:sldChg>
-      <pc:sldChg chg="addSp modSp mod">
-        <pc:chgData name="LIU, Yunfei [Student]" userId="134a1745-83fa-409d-b14e-dab8b4ff57fe" providerId="ADAL" clId="{900E18E1-4112-42C2-8802-5A170F6DF7DC}" dt="2021-05-10T07:53:14.913" v="17" actId="1076"/>
+      <pc:sldChg chg="modSp mod modTransition">
+        <pc:chgData name="LIU, Yunfei [Student]" userId="134a1745-83fa-409d-b14e-dab8b4ff57fe" providerId="ADAL" clId="{900E18E1-4112-42C2-8802-5A170F6DF7DC}" dt="2021-05-10T11:04:11.096" v="1094"/>
+        <pc:sldMkLst>
+          <pc:docMk/>
+          <pc:sldMk cId="1557068927" sldId="262"/>
+        </pc:sldMkLst>
+        <pc:spChg chg="mod">
+          <ac:chgData name="LIU, Yunfei [Student]" userId="134a1745-83fa-409d-b14e-dab8b4ff57fe" providerId="ADAL" clId="{900E18E1-4112-42C2-8802-5A170F6DF7DC}" dt="2021-05-10T10:49:39.223" v="1025" actId="20577"/>
+          <ac:spMkLst>
+            <pc:docMk/>
+            <pc:sldMk cId="1557068927" sldId="262"/>
+            <ac:spMk id="3" creationId="{E87D1561-59DB-4C96-AAD6-5C37D7BF44EC}"/>
+          </ac:spMkLst>
+        </pc:spChg>
+      </pc:sldChg>
+      <pc:sldChg chg="del">
+        <pc:chgData name="LIU, Yunfei [Student]" userId="134a1745-83fa-409d-b14e-dab8b4ff57fe" providerId="ADAL" clId="{900E18E1-4112-42C2-8802-5A170F6DF7DC}" dt="2021-05-10T10:51:07.972" v="1026" actId="47"/>
+        <pc:sldMkLst>
+          <pc:docMk/>
+          <pc:sldMk cId="1891031805" sldId="263"/>
+        </pc:sldMkLst>
+      </pc:sldChg>
+      <pc:sldChg chg="addSp modSp mod modTransition">
+        <pc:chgData name="LIU, Yunfei [Student]" userId="134a1745-83fa-409d-b14e-dab8b4ff57fe" providerId="ADAL" clId="{900E18E1-4112-42C2-8802-5A170F6DF7DC}" dt="2021-05-10T11:04:11.096" v="1094"/>
         <pc:sldMkLst>
           <pc:docMk/>
           <pc:sldMk cId="4004295929" sldId="264"/>
@@ -202,8 +275,8 @@
           </ac:picMkLst>
         </pc:picChg>
       </pc:sldChg>
-      <pc:sldChg chg="addSp delSp modSp add mod">
-        <pc:chgData name="LIU, Yunfei [Student]" userId="134a1745-83fa-409d-b14e-dab8b4ff57fe" providerId="ADAL" clId="{900E18E1-4112-42C2-8802-5A170F6DF7DC}" dt="2021-05-10T08:04:24.030" v="157" actId="1076"/>
+      <pc:sldChg chg="addSp delSp modSp add mod modTransition">
+        <pc:chgData name="LIU, Yunfei [Student]" userId="134a1745-83fa-409d-b14e-dab8b4ff57fe" providerId="ADAL" clId="{900E18E1-4112-42C2-8802-5A170F6DF7DC}" dt="2021-05-10T11:04:11.096" v="1094"/>
         <pc:sldMkLst>
           <pc:docMk/>
           <pc:sldMk cId="3308603341" sldId="265"/>
@@ -216,8 +289,8 @@
             <ac:spMk id="3" creationId="{E87D1561-59DB-4C96-AAD6-5C37D7BF44EC}"/>
           </ac:spMkLst>
         </pc:spChg>
-        <pc:grpChg chg="add mod">
-          <ac:chgData name="LIU, Yunfei [Student]" userId="134a1745-83fa-409d-b14e-dab8b4ff57fe" providerId="ADAL" clId="{900E18E1-4112-42C2-8802-5A170F6DF7DC}" dt="2021-05-10T08:04:24.030" v="157" actId="1076"/>
+        <pc:grpChg chg="add del mod">
+          <ac:chgData name="LIU, Yunfei [Student]" userId="134a1745-83fa-409d-b14e-dab8b4ff57fe" providerId="ADAL" clId="{900E18E1-4112-42C2-8802-5A170F6DF7DC}" dt="2021-05-10T11:03:38.850" v="1092" actId="165"/>
           <ac:grpSpMkLst>
             <pc:docMk/>
             <pc:sldMk cId="3308603341" sldId="265"/>
@@ -232,16 +305,16 @@
             <ac:picMk id="5" creationId="{16CF38F0-D4AA-4008-8669-D0BEBF257971}"/>
           </ac:picMkLst>
         </pc:picChg>
-        <pc:picChg chg="add mod">
-          <ac:chgData name="LIU, Yunfei [Student]" userId="134a1745-83fa-409d-b14e-dab8b4ff57fe" providerId="ADAL" clId="{900E18E1-4112-42C2-8802-5A170F6DF7DC}" dt="2021-05-10T08:04:19.938" v="156" actId="164"/>
+        <pc:picChg chg="add mod topLvl modCrop">
+          <ac:chgData name="LIU, Yunfei [Student]" userId="134a1745-83fa-409d-b14e-dab8b4ff57fe" providerId="ADAL" clId="{900E18E1-4112-42C2-8802-5A170F6DF7DC}" dt="2021-05-10T11:03:38.850" v="1092" actId="165"/>
           <ac:picMkLst>
             <pc:docMk/>
             <pc:sldMk cId="3308603341" sldId="265"/>
             <ac:picMk id="6" creationId="{389134D8-2A85-4FAB-A5AC-25AAEEF23A38}"/>
           </ac:picMkLst>
         </pc:picChg>
-        <pc:picChg chg="add mod">
-          <ac:chgData name="LIU, Yunfei [Student]" userId="134a1745-83fa-409d-b14e-dab8b4ff57fe" providerId="ADAL" clId="{900E18E1-4112-42C2-8802-5A170F6DF7DC}" dt="2021-05-10T08:04:19.938" v="156" actId="164"/>
+        <pc:picChg chg="add mod topLvl modCrop">
+          <ac:chgData name="LIU, Yunfei [Student]" userId="134a1745-83fa-409d-b14e-dab8b4ff57fe" providerId="ADAL" clId="{900E18E1-4112-42C2-8802-5A170F6DF7DC}" dt="2021-05-10T11:03:38.850" v="1092" actId="165"/>
           <ac:picMkLst>
             <pc:docMk/>
             <pc:sldMk cId="3308603341" sldId="265"/>
@@ -249,8 +322,8 @@
           </ac:picMkLst>
         </pc:picChg>
       </pc:sldChg>
-      <pc:sldChg chg="modSp new mod">
-        <pc:chgData name="LIU, Yunfei [Student]" userId="134a1745-83fa-409d-b14e-dab8b4ff57fe" providerId="ADAL" clId="{900E18E1-4112-42C2-8802-5A170F6DF7DC}" dt="2021-05-10T08:07:38.515" v="306" actId="20577"/>
+      <pc:sldChg chg="modSp new mod modTransition">
+        <pc:chgData name="LIU, Yunfei [Student]" userId="134a1745-83fa-409d-b14e-dab8b4ff57fe" providerId="ADAL" clId="{900E18E1-4112-42C2-8802-5A170F6DF7DC}" dt="2021-05-10T11:04:11.096" v="1094"/>
         <pc:sldMkLst>
           <pc:docMk/>
           <pc:sldMk cId="345717544" sldId="266"/>
@@ -272,8 +345,8 @@
           </ac:spMkLst>
         </pc:spChg>
       </pc:sldChg>
-      <pc:sldChg chg="addSp modSp new mod">
-        <pc:chgData name="LIU, Yunfei [Student]" userId="134a1745-83fa-409d-b14e-dab8b4ff57fe" providerId="ADAL" clId="{900E18E1-4112-42C2-8802-5A170F6DF7DC}" dt="2021-05-10T08:25:16.545" v="644" actId="20577"/>
+      <pc:sldChg chg="addSp delSp modSp new mod modTransition">
+        <pc:chgData name="LIU, Yunfei [Student]" userId="134a1745-83fa-409d-b14e-dab8b4ff57fe" providerId="ADAL" clId="{900E18E1-4112-42C2-8802-5A170F6DF7DC}" dt="2021-05-10T11:04:11.096" v="1094"/>
         <pc:sldMkLst>
           <pc:docMk/>
           <pc:sldMk cId="1088981818" sldId="267"/>
@@ -295,15 +368,15 @@
           </ac:spMkLst>
         </pc:spChg>
         <pc:spChg chg="add mod">
-          <ac:chgData name="LIU, Yunfei [Student]" userId="134a1745-83fa-409d-b14e-dab8b4ff57fe" providerId="ADAL" clId="{900E18E1-4112-42C2-8802-5A170F6DF7DC}" dt="2021-05-10T08:16:46.438" v="551" actId="1076"/>
+          <ac:chgData name="LIU, Yunfei [Student]" userId="134a1745-83fa-409d-b14e-dab8b4ff57fe" providerId="ADAL" clId="{900E18E1-4112-42C2-8802-5A170F6DF7DC}" dt="2021-05-10T10:56:22.842" v="1062" actId="1076"/>
           <ac:spMkLst>
             <pc:docMk/>
             <pc:sldMk cId="1088981818" sldId="267"/>
             <ac:spMk id="9" creationId="{50D0518B-15BC-4365-8340-BC416181CC44}"/>
           </ac:spMkLst>
         </pc:spChg>
-        <pc:spChg chg="add mod">
-          <ac:chgData name="LIU, Yunfei [Student]" userId="134a1745-83fa-409d-b14e-dab8b4ff57fe" providerId="ADAL" clId="{900E18E1-4112-42C2-8802-5A170F6DF7DC}" dt="2021-05-10T08:16:53.274" v="556" actId="20577"/>
+        <pc:spChg chg="add del mod">
+          <ac:chgData name="LIU, Yunfei [Student]" userId="134a1745-83fa-409d-b14e-dab8b4ff57fe" providerId="ADAL" clId="{900E18E1-4112-42C2-8802-5A170F6DF7DC}" dt="2021-05-10T10:53:01.082" v="1033" actId="478"/>
           <ac:spMkLst>
             <pc:docMk/>
             <pc:sldMk cId="1088981818" sldId="267"/>
@@ -311,23 +384,47 @@
           </ac:spMkLst>
         </pc:spChg>
         <pc:picChg chg="add mod">
-          <ac:chgData name="LIU, Yunfei [Student]" userId="134a1745-83fa-409d-b14e-dab8b4ff57fe" providerId="ADAL" clId="{900E18E1-4112-42C2-8802-5A170F6DF7DC}" dt="2021-05-10T08:13:06.328" v="486" actId="1076"/>
+          <ac:chgData name="LIU, Yunfei [Student]" userId="134a1745-83fa-409d-b14e-dab8b4ff57fe" providerId="ADAL" clId="{900E18E1-4112-42C2-8802-5A170F6DF7DC}" dt="2021-05-10T10:56:15.360" v="1060" actId="14100"/>
+          <ac:picMkLst>
+            <pc:docMk/>
+            <pc:sldMk cId="1088981818" sldId="267"/>
+            <ac:picMk id="6" creationId="{D0D49E93-2D85-43F1-9EA2-C172DE8A34E5}"/>
+          </ac:picMkLst>
+        </pc:picChg>
+        <pc:picChg chg="add mod">
+          <ac:chgData name="LIU, Yunfei [Student]" userId="134a1745-83fa-409d-b14e-dab8b4ff57fe" providerId="ADAL" clId="{900E18E1-4112-42C2-8802-5A170F6DF7DC}" dt="2021-05-10T10:56:05.244" v="1055" actId="1076"/>
+          <ac:picMkLst>
+            <pc:docMk/>
+            <pc:sldMk cId="1088981818" sldId="267"/>
+            <ac:picMk id="8" creationId="{FFBD64AE-3B4B-4323-82FA-19A272800CAE}"/>
+          </ac:picMkLst>
+        </pc:picChg>
+        <pc:picChg chg="add mod">
+          <ac:chgData name="LIU, Yunfei [Student]" userId="134a1745-83fa-409d-b14e-dab8b4ff57fe" providerId="ADAL" clId="{900E18E1-4112-42C2-8802-5A170F6DF7DC}" dt="2021-05-10T10:53:12.333" v="1038" actId="1076"/>
+          <ac:picMkLst>
+            <pc:docMk/>
+            <pc:sldMk cId="1088981818" sldId="267"/>
+            <ac:picMk id="11" creationId="{BDCE4961-2F8E-4182-87B4-4A76DE4C8C4B}"/>
+          </ac:picMkLst>
+        </pc:picChg>
+        <pc:picChg chg="add del mod">
+          <ac:chgData name="LIU, Yunfei [Student]" userId="134a1745-83fa-409d-b14e-dab8b4ff57fe" providerId="ADAL" clId="{900E18E1-4112-42C2-8802-5A170F6DF7DC}" dt="2021-05-10T10:52:53.822" v="1029" actId="478"/>
           <ac:picMkLst>
             <pc:docMk/>
             <pc:sldMk cId="1088981818" sldId="267"/>
             <ac:picMk id="2050" creationId="{E0A78320-DECB-49F3-BD4D-C1ABF34A6647}"/>
           </ac:picMkLst>
         </pc:picChg>
-        <pc:picChg chg="add mod">
-          <ac:chgData name="LIU, Yunfei [Student]" userId="134a1745-83fa-409d-b14e-dab8b4ff57fe" providerId="ADAL" clId="{900E18E1-4112-42C2-8802-5A170F6DF7DC}" dt="2021-05-10T08:14:05.719" v="519" actId="1076"/>
+        <pc:picChg chg="add del mod">
+          <ac:chgData name="LIU, Yunfei [Student]" userId="134a1745-83fa-409d-b14e-dab8b4ff57fe" providerId="ADAL" clId="{900E18E1-4112-42C2-8802-5A170F6DF7DC}" dt="2021-05-10T10:52:59.180" v="1032" actId="478"/>
           <ac:picMkLst>
             <pc:docMk/>
             <pc:sldMk cId="1088981818" sldId="267"/>
             <ac:picMk id="2052" creationId="{31330F54-F809-4CDD-B0DB-3B925CD7803C}"/>
           </ac:picMkLst>
         </pc:picChg>
-        <pc:picChg chg="add mod">
-          <ac:chgData name="LIU, Yunfei [Student]" userId="134a1745-83fa-409d-b14e-dab8b4ff57fe" providerId="ADAL" clId="{900E18E1-4112-42C2-8802-5A170F6DF7DC}" dt="2021-05-10T08:13:16.837" v="490" actId="1076"/>
+        <pc:picChg chg="add del mod">
+          <ac:chgData name="LIU, Yunfei [Student]" userId="134a1745-83fa-409d-b14e-dab8b4ff57fe" providerId="ADAL" clId="{900E18E1-4112-42C2-8802-5A170F6DF7DC}" dt="2021-05-10T10:53:01.082" v="1033" actId="478"/>
           <ac:picMkLst>
             <pc:docMk/>
             <pc:sldMk cId="1088981818" sldId="267"/>
@@ -335,15 +432,15 @@
           </ac:picMkLst>
         </pc:picChg>
         <pc:cxnChg chg="add mod">
-          <ac:chgData name="LIU, Yunfei [Student]" userId="134a1745-83fa-409d-b14e-dab8b4ff57fe" providerId="ADAL" clId="{900E18E1-4112-42C2-8802-5A170F6DF7DC}" dt="2021-05-10T08:13:58.613" v="517" actId="1076"/>
+          <ac:chgData name="LIU, Yunfei [Student]" userId="134a1745-83fa-409d-b14e-dab8b4ff57fe" providerId="ADAL" clId="{900E18E1-4112-42C2-8802-5A170F6DF7DC}" dt="2021-05-10T10:56:20.882" v="1061" actId="1076"/>
           <ac:cxnSpMkLst>
             <pc:docMk/>
             <pc:sldMk cId="1088981818" sldId="267"/>
             <ac:cxnSpMk id="5" creationId="{06A5B56C-F305-42CB-839F-C0E4D1C85AD9}"/>
           </ac:cxnSpMkLst>
         </pc:cxnChg>
-        <pc:cxnChg chg="add mod">
-          <ac:chgData name="LIU, Yunfei [Student]" userId="134a1745-83fa-409d-b14e-dab8b4ff57fe" providerId="ADAL" clId="{900E18E1-4112-42C2-8802-5A170F6DF7DC}" dt="2021-05-10T08:14:02.747" v="518" actId="571"/>
+        <pc:cxnChg chg="add del mod">
+          <ac:chgData name="LIU, Yunfei [Student]" userId="134a1745-83fa-409d-b14e-dab8b4ff57fe" providerId="ADAL" clId="{900E18E1-4112-42C2-8802-5A170F6DF7DC}" dt="2021-05-10T10:53:01.082" v="1033" actId="478"/>
           <ac:cxnSpMkLst>
             <pc:docMk/>
             <pc:sldMk cId="1088981818" sldId="267"/>
@@ -366,8 +463,8 @@
           </ac:spMkLst>
         </pc:spChg>
       </pc:sldChg>
-      <pc:sldChg chg="modSp new mod">
-        <pc:chgData name="LIU, Yunfei [Student]" userId="134a1745-83fa-409d-b14e-dab8b4ff57fe" providerId="ADAL" clId="{900E18E1-4112-42C2-8802-5A170F6DF7DC}" dt="2021-05-10T08:25:36.700" v="671" actId="20577"/>
+      <pc:sldChg chg="modSp new mod modTransition">
+        <pc:chgData name="LIU, Yunfei [Student]" userId="134a1745-83fa-409d-b14e-dab8b4ff57fe" providerId="ADAL" clId="{900E18E1-4112-42C2-8802-5A170F6DF7DC}" dt="2021-05-10T11:04:11.096" v="1094"/>
         <pc:sldMkLst>
           <pc:docMk/>
           <pc:sldMk cId="134481380" sldId="269"/>
@@ -389,6 +486,101 @@
           </ac:spMkLst>
         </pc:spChg>
       </pc:sldChg>
+      <pc:sldMasterChg chg="modTransition modSldLayout">
+        <pc:chgData name="LIU, Yunfei [Student]" userId="134a1745-83fa-409d-b14e-dab8b4ff57fe" providerId="ADAL" clId="{900E18E1-4112-42C2-8802-5A170F6DF7DC}" dt="2021-05-10T11:04:11.096" v="1094"/>
+        <pc:sldMasterMkLst>
+          <pc:docMk/>
+          <pc:sldMasterMk cId="3435084321" sldId="2147483712"/>
+        </pc:sldMasterMkLst>
+        <pc:sldLayoutChg chg="modTransition">
+          <pc:chgData name="LIU, Yunfei [Student]" userId="134a1745-83fa-409d-b14e-dab8b4ff57fe" providerId="ADAL" clId="{900E18E1-4112-42C2-8802-5A170F6DF7DC}" dt="2021-05-10T11:04:11.096" v="1094"/>
+          <pc:sldLayoutMkLst>
+            <pc:docMk/>
+            <pc:sldMasterMk cId="3435084321" sldId="2147483712"/>
+            <pc:sldLayoutMk cId="919889264" sldId="2147483701"/>
+          </pc:sldLayoutMkLst>
+        </pc:sldLayoutChg>
+        <pc:sldLayoutChg chg="modTransition">
+          <pc:chgData name="LIU, Yunfei [Student]" userId="134a1745-83fa-409d-b14e-dab8b4ff57fe" providerId="ADAL" clId="{900E18E1-4112-42C2-8802-5A170F6DF7DC}" dt="2021-05-10T11:04:11.096" v="1094"/>
+          <pc:sldLayoutMkLst>
+            <pc:docMk/>
+            <pc:sldMasterMk cId="3435084321" sldId="2147483712"/>
+            <pc:sldLayoutMk cId="3281301333" sldId="2147483702"/>
+          </pc:sldLayoutMkLst>
+        </pc:sldLayoutChg>
+        <pc:sldLayoutChg chg="modTransition">
+          <pc:chgData name="LIU, Yunfei [Student]" userId="134a1745-83fa-409d-b14e-dab8b4ff57fe" providerId="ADAL" clId="{900E18E1-4112-42C2-8802-5A170F6DF7DC}" dt="2021-05-10T11:04:11.096" v="1094"/>
+          <pc:sldLayoutMkLst>
+            <pc:docMk/>
+            <pc:sldMasterMk cId="3435084321" sldId="2147483712"/>
+            <pc:sldLayoutMk cId="3565805565" sldId="2147483703"/>
+          </pc:sldLayoutMkLst>
+        </pc:sldLayoutChg>
+        <pc:sldLayoutChg chg="modTransition">
+          <pc:chgData name="LIU, Yunfei [Student]" userId="134a1745-83fa-409d-b14e-dab8b4ff57fe" providerId="ADAL" clId="{900E18E1-4112-42C2-8802-5A170F6DF7DC}" dt="2021-05-10T11:04:11.096" v="1094"/>
+          <pc:sldLayoutMkLst>
+            <pc:docMk/>
+            <pc:sldMasterMk cId="3435084321" sldId="2147483712"/>
+            <pc:sldLayoutMk cId="3201824698" sldId="2147483704"/>
+          </pc:sldLayoutMkLst>
+        </pc:sldLayoutChg>
+        <pc:sldLayoutChg chg="modTransition">
+          <pc:chgData name="LIU, Yunfei [Student]" userId="134a1745-83fa-409d-b14e-dab8b4ff57fe" providerId="ADAL" clId="{900E18E1-4112-42C2-8802-5A170F6DF7DC}" dt="2021-05-10T11:04:11.096" v="1094"/>
+          <pc:sldLayoutMkLst>
+            <pc:docMk/>
+            <pc:sldMasterMk cId="3435084321" sldId="2147483712"/>
+            <pc:sldLayoutMk cId="529687555" sldId="2147483705"/>
+          </pc:sldLayoutMkLst>
+        </pc:sldLayoutChg>
+        <pc:sldLayoutChg chg="modTransition">
+          <pc:chgData name="LIU, Yunfei [Student]" userId="134a1745-83fa-409d-b14e-dab8b4ff57fe" providerId="ADAL" clId="{900E18E1-4112-42C2-8802-5A170F6DF7DC}" dt="2021-05-10T11:04:11.096" v="1094"/>
+          <pc:sldLayoutMkLst>
+            <pc:docMk/>
+            <pc:sldMasterMk cId="3435084321" sldId="2147483712"/>
+            <pc:sldLayoutMk cId="3437835336" sldId="2147483706"/>
+          </pc:sldLayoutMkLst>
+        </pc:sldLayoutChg>
+        <pc:sldLayoutChg chg="modTransition">
+          <pc:chgData name="LIU, Yunfei [Student]" userId="134a1745-83fa-409d-b14e-dab8b4ff57fe" providerId="ADAL" clId="{900E18E1-4112-42C2-8802-5A170F6DF7DC}" dt="2021-05-10T11:04:11.096" v="1094"/>
+          <pc:sldLayoutMkLst>
+            <pc:docMk/>
+            <pc:sldMasterMk cId="3435084321" sldId="2147483712"/>
+            <pc:sldLayoutMk cId="332858809" sldId="2147483707"/>
+          </pc:sldLayoutMkLst>
+        </pc:sldLayoutChg>
+        <pc:sldLayoutChg chg="modTransition">
+          <pc:chgData name="LIU, Yunfei [Student]" userId="134a1745-83fa-409d-b14e-dab8b4ff57fe" providerId="ADAL" clId="{900E18E1-4112-42C2-8802-5A170F6DF7DC}" dt="2021-05-10T11:04:11.096" v="1094"/>
+          <pc:sldLayoutMkLst>
+            <pc:docMk/>
+            <pc:sldMasterMk cId="3435084321" sldId="2147483712"/>
+            <pc:sldLayoutMk cId="1765807941" sldId="2147483708"/>
+          </pc:sldLayoutMkLst>
+        </pc:sldLayoutChg>
+        <pc:sldLayoutChg chg="modTransition">
+          <pc:chgData name="LIU, Yunfei [Student]" userId="134a1745-83fa-409d-b14e-dab8b4ff57fe" providerId="ADAL" clId="{900E18E1-4112-42C2-8802-5A170F6DF7DC}" dt="2021-05-10T11:04:11.096" v="1094"/>
+          <pc:sldLayoutMkLst>
+            <pc:docMk/>
+            <pc:sldMasterMk cId="3435084321" sldId="2147483712"/>
+            <pc:sldLayoutMk cId="1248655266" sldId="2147483709"/>
+          </pc:sldLayoutMkLst>
+        </pc:sldLayoutChg>
+        <pc:sldLayoutChg chg="modTransition">
+          <pc:chgData name="LIU, Yunfei [Student]" userId="134a1745-83fa-409d-b14e-dab8b4ff57fe" providerId="ADAL" clId="{900E18E1-4112-42C2-8802-5A170F6DF7DC}" dt="2021-05-10T11:04:11.096" v="1094"/>
+          <pc:sldLayoutMkLst>
+            <pc:docMk/>
+            <pc:sldMasterMk cId="3435084321" sldId="2147483712"/>
+            <pc:sldLayoutMk cId="3794048865" sldId="2147483710"/>
+          </pc:sldLayoutMkLst>
+        </pc:sldLayoutChg>
+        <pc:sldLayoutChg chg="modTransition">
+          <pc:chgData name="LIU, Yunfei [Student]" userId="134a1745-83fa-409d-b14e-dab8b4ff57fe" providerId="ADAL" clId="{900E18E1-4112-42C2-8802-5A170F6DF7DC}" dt="2021-05-10T11:04:11.096" v="1094"/>
+          <pc:sldLayoutMkLst>
+            <pc:docMk/>
+            <pc:sldMasterMk cId="3435084321" sldId="2147483712"/>
+            <pc:sldLayoutMk cId="1546640700" sldId="2147483711"/>
+          </pc:sldLayoutMkLst>
+        </pc:sldLayoutChg>
+      </pc:sldMasterChg>
     </pc:docChg>
   </pc:docChgLst>
 </pc:chgInfo>
@@ -620,6 +812,18 @@
   <p:clrMapOvr>
     <a:masterClrMapping/>
   </p:clrMapOvr>
+  <mc:AlternateContent xmlns:mc="http://schemas.openxmlformats.org/markup-compatibility/2006">
+    <mc:Choice xmlns:p14="http://schemas.microsoft.com/office/powerpoint/2010/main" Requires="p14">
+      <p:transition spd="med" p14:dur="700">
+        <p:fade/>
+      </p:transition>
+    </mc:Choice>
+    <mc:Fallback>
+      <p:transition spd="med">
+        <p:fade/>
+      </p:transition>
+    </mc:Fallback>
+  </mc:AlternateContent>
 </p:sldLayout>
 </file>
 
@@ -820,6 +1024,18 @@
   <p:clrMapOvr>
     <a:masterClrMapping/>
   </p:clrMapOvr>
+  <mc:AlternateContent xmlns:mc="http://schemas.openxmlformats.org/markup-compatibility/2006">
+    <mc:Choice xmlns:p14="http://schemas.microsoft.com/office/powerpoint/2010/main" Requires="p14">
+      <p:transition spd="med" p14:dur="700">
+        <p:fade/>
+      </p:transition>
+    </mc:Choice>
+    <mc:Fallback>
+      <p:transition spd="med">
+        <p:fade/>
+      </p:transition>
+    </mc:Fallback>
+  </mc:AlternateContent>
 </p:sldLayout>
 </file>
 
@@ -1030,6 +1246,18 @@
   <p:clrMapOvr>
     <a:masterClrMapping/>
   </p:clrMapOvr>
+  <mc:AlternateContent xmlns:mc="http://schemas.openxmlformats.org/markup-compatibility/2006">
+    <mc:Choice xmlns:p14="http://schemas.microsoft.com/office/powerpoint/2010/main" Requires="p14">
+      <p:transition spd="med" p14:dur="700">
+        <p:fade/>
+      </p:transition>
+    </mc:Choice>
+    <mc:Fallback>
+      <p:transition spd="med">
+        <p:fade/>
+      </p:transition>
+    </mc:Fallback>
+  </mc:AlternateContent>
 </p:sldLayout>
 </file>
 
@@ -1228,6 +1456,18 @@
   <p:clrMapOvr>
     <a:masterClrMapping/>
   </p:clrMapOvr>
+  <mc:AlternateContent xmlns:mc="http://schemas.openxmlformats.org/markup-compatibility/2006">
+    <mc:Choice xmlns:p14="http://schemas.microsoft.com/office/powerpoint/2010/main" Requires="p14">
+      <p:transition spd="med" p14:dur="700">
+        <p:fade/>
+      </p:transition>
+    </mc:Choice>
+    <mc:Fallback>
+      <p:transition spd="med">
+        <p:fade/>
+      </p:transition>
+    </mc:Fallback>
+  </mc:AlternateContent>
 </p:sldLayout>
 </file>
 
@@ -1502,6 +1742,18 @@
   <p:clrMapOvr>
     <a:masterClrMapping/>
   </p:clrMapOvr>
+  <mc:AlternateContent xmlns:mc="http://schemas.openxmlformats.org/markup-compatibility/2006">
+    <mc:Choice xmlns:p14="http://schemas.microsoft.com/office/powerpoint/2010/main" Requires="p14">
+      <p:transition spd="med" p14:dur="700">
+        <p:fade/>
+      </p:transition>
+    </mc:Choice>
+    <mc:Fallback>
+      <p:transition spd="med">
+        <p:fade/>
+      </p:transition>
+    </mc:Fallback>
+  </mc:AlternateContent>
 </p:sldLayout>
 </file>
 
@@ -1767,6 +2019,18 @@
   <p:clrMapOvr>
     <a:masterClrMapping/>
   </p:clrMapOvr>
+  <mc:AlternateContent xmlns:mc="http://schemas.openxmlformats.org/markup-compatibility/2006">
+    <mc:Choice xmlns:p14="http://schemas.microsoft.com/office/powerpoint/2010/main" Requires="p14">
+      <p:transition spd="med" p14:dur="700">
+        <p:fade/>
+      </p:transition>
+    </mc:Choice>
+    <mc:Fallback>
+      <p:transition spd="med">
+        <p:fade/>
+      </p:transition>
+    </mc:Fallback>
+  </mc:AlternateContent>
 </p:sldLayout>
 </file>
 
@@ -2183,6 +2447,18 @@
   <p:clrMapOvr>
     <a:masterClrMapping/>
   </p:clrMapOvr>
+  <mc:AlternateContent xmlns:mc="http://schemas.openxmlformats.org/markup-compatibility/2006">
+    <mc:Choice xmlns:p14="http://schemas.microsoft.com/office/powerpoint/2010/main" Requires="p14">
+      <p:transition spd="med" p14:dur="700">
+        <p:fade/>
+      </p:transition>
+    </mc:Choice>
+    <mc:Fallback>
+      <p:transition spd="med">
+        <p:fade/>
+      </p:transition>
+    </mc:Fallback>
+  </mc:AlternateContent>
 </p:sldLayout>
 </file>
 
@@ -2324,6 +2600,18 @@
   <p:clrMapOvr>
     <a:masterClrMapping/>
   </p:clrMapOvr>
+  <mc:AlternateContent xmlns:mc="http://schemas.openxmlformats.org/markup-compatibility/2006">
+    <mc:Choice xmlns:p14="http://schemas.microsoft.com/office/powerpoint/2010/main" Requires="p14">
+      <p:transition spd="med" p14:dur="700">
+        <p:fade/>
+      </p:transition>
+    </mc:Choice>
+    <mc:Fallback>
+      <p:transition spd="med">
+        <p:fade/>
+      </p:transition>
+    </mc:Fallback>
+  </mc:AlternateContent>
 </p:sldLayout>
 </file>
 
@@ -2437,6 +2725,18 @@
   <p:clrMapOvr>
     <a:masterClrMapping/>
   </p:clrMapOvr>
+  <mc:AlternateContent xmlns:mc="http://schemas.openxmlformats.org/markup-compatibility/2006">
+    <mc:Choice xmlns:p14="http://schemas.microsoft.com/office/powerpoint/2010/main" Requires="p14">
+      <p:transition spd="med" p14:dur="700">
+        <p:fade/>
+      </p:transition>
+    </mc:Choice>
+    <mc:Fallback>
+      <p:transition spd="med">
+        <p:fade/>
+      </p:transition>
+    </mc:Fallback>
+  </mc:AlternateContent>
 </p:sldLayout>
 </file>
 
@@ -2757,6 +3057,18 @@
   <p:clrMapOvr>
     <a:masterClrMapping/>
   </p:clrMapOvr>
+  <mc:AlternateContent xmlns:mc="http://schemas.openxmlformats.org/markup-compatibility/2006">
+    <mc:Choice xmlns:p14="http://schemas.microsoft.com/office/powerpoint/2010/main" Requires="p14">
+      <p:transition spd="med" p14:dur="700">
+        <p:fade/>
+      </p:transition>
+    </mc:Choice>
+    <mc:Fallback>
+      <p:transition spd="med">
+        <p:fade/>
+      </p:transition>
+    </mc:Fallback>
+  </mc:AlternateContent>
 </p:sldLayout>
 </file>
 
@@ -3062,6 +3374,18 @@
   <p:clrMapOvr>
     <a:masterClrMapping/>
   </p:clrMapOvr>
+  <mc:AlternateContent xmlns:mc="http://schemas.openxmlformats.org/markup-compatibility/2006">
+    <mc:Choice xmlns:p14="http://schemas.microsoft.com/office/powerpoint/2010/main" Requires="p14">
+      <p:transition spd="med" p14:dur="700">
+        <p:fade/>
+      </p:transition>
+    </mc:Choice>
+    <mc:Fallback>
+      <p:transition spd="med">
+        <p:fade/>
+      </p:transition>
+    </mc:Fallback>
+  </mc:AlternateContent>
 </p:sldLayout>
 </file>
 
@@ -3499,6 +3823,18 @@
     <p:sldLayoutId id="2147483710" r:id="rId10"/>
     <p:sldLayoutId id="2147483711" r:id="rId11"/>
   </p:sldLayoutIdLst>
+  <mc:AlternateContent xmlns:mc="http://schemas.openxmlformats.org/markup-compatibility/2006">
+    <mc:Choice xmlns:p14="http://schemas.microsoft.com/office/powerpoint/2010/main" Requires="p14">
+      <p:transition spd="med" p14:dur="700">
+        <p:fade/>
+      </p:transition>
+    </mc:Choice>
+    <mc:Fallback>
+      <p:transition spd="med">
+        <p:fade/>
+      </p:transition>
+    </mc:Fallback>
+  </mc:AlternateContent>
   <p:txStyles>
     <p:titleStyle>
       <a:lvl1pPr algn="l" defTabSz="914400" rtl="0" eaLnBrk="1" latinLnBrk="0" hangingPunct="1">
@@ -4025,10 +4361,1514 @@
   <p:clrMapOvr>
     <a:masterClrMapping/>
   </p:clrMapOvr>
+  <mc:AlternateContent xmlns:mc="http://schemas.openxmlformats.org/markup-compatibility/2006">
+    <mc:Choice xmlns:p14="http://schemas.microsoft.com/office/powerpoint/2010/main" Requires="p14">
+      <p:transition spd="med" p14:dur="700">
+        <p:fade/>
+      </p:transition>
+    </mc:Choice>
+    <mc:Fallback>
+      <p:transition spd="med">
+        <p:fade/>
+      </p:transition>
+    </mc:Fallback>
+  </mc:AlternateContent>
 </p:sld>
 </file>
 
 <file path=ppt/slides/slide10.xml><?xml version="1.0" encoding="utf-8"?>
+<p:sld xmlns:a="http://schemas.openxmlformats.org/drawingml/2006/main" xmlns:r="http://schemas.openxmlformats.org/officeDocument/2006/relationships" xmlns:p="http://schemas.openxmlformats.org/presentationml/2006/main">
+  <p:cSld>
+    <p:spTree>
+      <p:nvGrpSpPr>
+        <p:cNvPr id="1" name=""/>
+        <p:cNvGrpSpPr/>
+        <p:nvPr/>
+      </p:nvGrpSpPr>
+      <p:grpSpPr>
+        <a:xfrm>
+          <a:off x="0" y="0"/>
+          <a:ext cx="0" cy="0"/>
+          <a:chOff x="0" y="0"/>
+          <a:chExt cx="0" cy="0"/>
+        </a:xfrm>
+      </p:grpSpPr>
+      <p:sp>
+        <p:nvSpPr>
+          <p:cNvPr id="2" name="Title 1">
+            <a:extLst>
+              <a:ext uri="{FF2B5EF4-FFF2-40B4-BE49-F238E27FC236}">
+                <a16:creationId xmlns:a16="http://schemas.microsoft.com/office/drawing/2014/main" id="{600F27D4-DF8A-48A3-A0B6-8EB5AE83177D}"/>
+              </a:ext>
+            </a:extLst>
+          </p:cNvPr>
+          <p:cNvSpPr>
+            <a:spLocks noGrp="1"/>
+          </p:cNvSpPr>
+          <p:nvPr>
+            <p:ph type="title"/>
+          </p:nvPr>
+        </p:nvSpPr>
+        <p:spPr/>
+        <p:txBody>
+          <a:bodyPr/>
+          <a:lstStyle/>
+          <a:p>
+            <a:r>
+              <a:rPr lang="en-US" dirty="0"/>
+              <a:t>Implementation</a:t>
+            </a:r>
+          </a:p>
+        </p:txBody>
+      </p:sp>
+      <p:sp>
+        <p:nvSpPr>
+          <p:cNvPr id="3" name="Content Placeholder 2">
+            <a:extLst>
+              <a:ext uri="{FF2B5EF4-FFF2-40B4-BE49-F238E27FC236}">
+                <a16:creationId xmlns:a16="http://schemas.microsoft.com/office/drawing/2014/main" id="{2F70632A-997C-414C-B0D5-108E6949F8C8}"/>
+              </a:ext>
+            </a:extLst>
+          </p:cNvPr>
+          <p:cNvSpPr>
+            <a:spLocks noGrp="1"/>
+          </p:cNvSpPr>
+          <p:nvPr>
+            <p:ph idx="1"/>
+          </p:nvPr>
+        </p:nvSpPr>
+        <p:spPr/>
+        <p:txBody>
+          <a:bodyPr/>
+          <a:lstStyle/>
+          <a:p>
+            <a:r>
+              <a:rPr lang="en-US" dirty="0"/>
+              <a:t>Data Pre-process</a:t>
+            </a:r>
+          </a:p>
+          <a:p>
+            <a:r>
+              <a:rPr lang="en-US" dirty="0"/>
+              <a:t>Data Structure Design</a:t>
+            </a:r>
+          </a:p>
+          <a:p>
+            <a:r>
+              <a:rPr lang="en-US" dirty="0"/>
+              <a:t>User Input Process</a:t>
+            </a:r>
+          </a:p>
+          <a:p>
+            <a:r>
+              <a:rPr lang="en-US" dirty="0"/>
+              <a:t>Relative Index Calculation</a:t>
+            </a:r>
+          </a:p>
+          <a:p>
+            <a:r>
+              <a:rPr lang="en-US" dirty="0"/>
+              <a:t>Result Display</a:t>
+            </a:r>
+          </a:p>
+        </p:txBody>
+      </p:sp>
+    </p:spTree>
+    <p:extLst>
+      <p:ext uri="{BB962C8B-B14F-4D97-AF65-F5344CB8AC3E}">
+        <p14:creationId xmlns:p14="http://schemas.microsoft.com/office/powerpoint/2010/main" val="345717544"/>
+      </p:ext>
+    </p:extLst>
+  </p:cSld>
+  <p:clrMapOvr>
+    <a:masterClrMapping/>
+  </p:clrMapOvr>
+  <mc:AlternateContent xmlns:mc="http://schemas.openxmlformats.org/markup-compatibility/2006">
+    <mc:Choice xmlns:p14="http://schemas.microsoft.com/office/powerpoint/2010/main" Requires="p14">
+      <p:transition spd="med" p14:dur="700">
+        <p:fade/>
+      </p:transition>
+    </mc:Choice>
+    <mc:Fallback>
+      <p:transition spd="med">
+        <p:fade/>
+      </p:transition>
+    </mc:Fallback>
+  </mc:AlternateContent>
+</p:sld>
+</file>
+
+<file path=ppt/slides/slide11.xml><?xml version="1.0" encoding="utf-8"?>
+<p:sld xmlns:a="http://schemas.openxmlformats.org/drawingml/2006/main" xmlns:r="http://schemas.openxmlformats.org/officeDocument/2006/relationships" xmlns:p="http://schemas.openxmlformats.org/presentationml/2006/main">
+  <p:cSld>
+    <p:spTree>
+      <p:nvGrpSpPr>
+        <p:cNvPr id="1" name=""/>
+        <p:cNvGrpSpPr/>
+        <p:nvPr/>
+      </p:nvGrpSpPr>
+      <p:grpSpPr>
+        <a:xfrm>
+          <a:off x="0" y="0"/>
+          <a:ext cx="0" cy="0"/>
+          <a:chOff x="0" y="0"/>
+          <a:chExt cx="0" cy="0"/>
+        </a:xfrm>
+      </p:grpSpPr>
+      <p:sp>
+        <p:nvSpPr>
+          <p:cNvPr id="2" name="Title 1">
+            <a:extLst>
+              <a:ext uri="{FF2B5EF4-FFF2-40B4-BE49-F238E27FC236}">
+                <a16:creationId xmlns:a16="http://schemas.microsoft.com/office/drawing/2014/main" id="{C85E67C5-5394-4925-89AD-45283F3313C1}"/>
+              </a:ext>
+            </a:extLst>
+          </p:cNvPr>
+          <p:cNvSpPr>
+            <a:spLocks noGrp="1"/>
+          </p:cNvSpPr>
+          <p:nvPr>
+            <p:ph type="title"/>
+          </p:nvPr>
+        </p:nvSpPr>
+        <p:spPr/>
+        <p:txBody>
+          <a:bodyPr/>
+          <a:lstStyle/>
+          <a:p>
+            <a:r>
+              <a:rPr lang="en-US" dirty="0"/>
+              <a:t>Implementation</a:t>
+            </a:r>
+          </a:p>
+        </p:txBody>
+      </p:sp>
+      <p:sp>
+        <p:nvSpPr>
+          <p:cNvPr id="3" name="Content Placeholder 2">
+            <a:extLst>
+              <a:ext uri="{FF2B5EF4-FFF2-40B4-BE49-F238E27FC236}">
+                <a16:creationId xmlns:a16="http://schemas.microsoft.com/office/drawing/2014/main" id="{72514B71-F0C4-4FDE-B547-5B4CD34034A8}"/>
+              </a:ext>
+            </a:extLst>
+          </p:cNvPr>
+          <p:cNvSpPr>
+            <a:spLocks noGrp="1"/>
+          </p:cNvSpPr>
+          <p:nvPr>
+            <p:ph idx="1"/>
+          </p:nvPr>
+        </p:nvSpPr>
+        <p:spPr>
+          <a:xfrm>
+            <a:off x="1530096" y="2430795"/>
+            <a:ext cx="9144000" cy="3127248"/>
+          </a:xfrm>
+        </p:spPr>
+        <p:txBody>
+          <a:bodyPr/>
+          <a:lstStyle/>
+          <a:p>
+            <a:r>
+              <a:rPr lang="en-US" dirty="0"/>
+              <a:t>We use Python to download and clean the data</a:t>
+            </a:r>
+          </a:p>
+          <a:p>
+            <a:r>
+              <a:rPr lang="en-US" dirty="0"/>
+              <a:t>C++ for main function process</a:t>
+            </a:r>
+          </a:p>
+          <a:p>
+            <a:r>
+              <a:rPr lang="en-US" dirty="0"/>
+              <a:t>Transform from PDF to TXT to JSON.</a:t>
+            </a:r>
+          </a:p>
+        </p:txBody>
+      </p:sp>
+      <p:cxnSp>
+        <p:nvCxnSpPr>
+          <p:cNvPr id="5" name="Straight Arrow Connector 4">
+            <a:extLst>
+              <a:ext uri="{FF2B5EF4-FFF2-40B4-BE49-F238E27FC236}">
+                <a16:creationId xmlns:a16="http://schemas.microsoft.com/office/drawing/2014/main" id="{06A5B56C-F305-42CB-839F-C0E4D1C85AD9}"/>
+              </a:ext>
+            </a:extLst>
+          </p:cNvPr>
+          <p:cNvCxnSpPr>
+            <a:cxnSpLocks/>
+          </p:cNvCxnSpPr>
+          <p:nvPr/>
+        </p:nvCxnSpPr>
+        <p:spPr>
+          <a:xfrm>
+            <a:off x="4803595" y="5424878"/>
+            <a:ext cx="908547" cy="0"/>
+          </a:xfrm>
+          <a:prstGeom prst="straightConnector1">
+            <a:avLst/>
+          </a:prstGeom>
+          <a:ln w="63500">
+            <a:solidFill>
+              <a:schemeClr val="tx1"/>
+            </a:solidFill>
+            <a:tailEnd type="triangle"/>
+          </a:ln>
+        </p:spPr>
+        <p:style>
+          <a:lnRef idx="1">
+            <a:schemeClr val="accent1"/>
+          </a:lnRef>
+          <a:fillRef idx="0">
+            <a:schemeClr val="accent1"/>
+          </a:fillRef>
+          <a:effectRef idx="0">
+            <a:schemeClr val="accent1"/>
+          </a:effectRef>
+          <a:fontRef idx="minor">
+            <a:schemeClr val="tx1"/>
+          </a:fontRef>
+        </p:style>
+      </p:cxnSp>
+      <p:sp>
+        <p:nvSpPr>
+          <p:cNvPr id="9" name="TextBox 8">
+            <a:extLst>
+              <a:ext uri="{FF2B5EF4-FFF2-40B4-BE49-F238E27FC236}">
+                <a16:creationId xmlns:a16="http://schemas.microsoft.com/office/drawing/2014/main" id="{50D0518B-15BC-4365-8340-BC416181CC44}"/>
+              </a:ext>
+            </a:extLst>
+          </p:cNvPr>
+          <p:cNvSpPr txBox="1"/>
+          <p:nvPr/>
+        </p:nvSpPr>
+        <p:spPr>
+          <a:xfrm>
+            <a:off x="4514415" y="4937463"/>
+            <a:ext cx="1486905" cy="369332"/>
+          </a:xfrm>
+          <a:prstGeom prst="rect">
+            <a:avLst/>
+          </a:prstGeom>
+          <a:noFill/>
+        </p:spPr>
+        <p:txBody>
+          <a:bodyPr wrap="square" rtlCol="0">
+            <a:spAutoFit/>
+          </a:bodyPr>
+          <a:lstStyle/>
+          <a:p>
+            <a:r>
+              <a:rPr lang="en-US" dirty="0"/>
+              <a:t>Implement</a:t>
+            </a:r>
+          </a:p>
+        </p:txBody>
+      </p:sp>
+      <p:pic>
+        <p:nvPicPr>
+          <p:cNvPr id="11" name="Picture 2" descr="Red–black tree - Wikipedia">
+            <a:extLst>
+              <a:ext uri="{FF2B5EF4-FFF2-40B4-BE49-F238E27FC236}">
+                <a16:creationId xmlns:a16="http://schemas.microsoft.com/office/drawing/2014/main" id="{BDCE4961-2F8E-4182-87B4-4A76DE4C8C4B}"/>
+              </a:ext>
+            </a:extLst>
+          </p:cNvPr>
+          <p:cNvPicPr>
+            <a:picLocks noChangeAspect="1" noChangeArrowheads="1"/>
+          </p:cNvPicPr>
+          <p:nvPr/>
+        </p:nvPicPr>
+        <p:blipFill>
+          <a:blip r:embed="rId2">
+            <a:extLst>
+              <a:ext uri="{28A0092B-C50C-407E-A947-70E740481C1C}">
+                <a14:useLocalDpi xmlns:a14="http://schemas.microsoft.com/office/drawing/2010/main" val="0"/>
+              </a:ext>
+            </a:extLst>
+          </a:blip>
+          <a:srcRect/>
+          <a:stretch>
+            <a:fillRect/>
+          </a:stretch>
+        </p:blipFill>
+        <p:spPr bwMode="auto">
+          <a:xfrm>
+            <a:off x="757779" y="4590367"/>
+            <a:ext cx="3652682" cy="1514245"/>
+          </a:xfrm>
+          <a:prstGeom prst="rect">
+            <a:avLst/>
+          </a:prstGeom>
+          <a:noFill/>
+          <a:extLst>
+            <a:ext uri="{909E8E84-426E-40DD-AFC4-6F175D3DCCD1}">
+              <a14:hiddenFill xmlns:a14="http://schemas.microsoft.com/office/drawing/2010/main">
+                <a:solidFill>
+                  <a:srgbClr val="FFFFFF"/>
+                </a:solidFill>
+              </a14:hiddenFill>
+            </a:ext>
+          </a:extLst>
+        </p:spPr>
+      </p:pic>
+      <p:pic>
+        <p:nvPicPr>
+          <p:cNvPr id="6" name="Picture 5" descr="Graphical user interface, application&#10;&#10;Description automatically generated">
+            <a:extLst>
+              <a:ext uri="{FF2B5EF4-FFF2-40B4-BE49-F238E27FC236}">
+                <a16:creationId xmlns:a16="http://schemas.microsoft.com/office/drawing/2014/main" id="{D0D49E93-2D85-43F1-9EA2-C172DE8A34E5}"/>
+              </a:ext>
+            </a:extLst>
+          </p:cNvPr>
+          <p:cNvPicPr>
+            <a:picLocks noChangeAspect="1"/>
+          </p:cNvPicPr>
+          <p:nvPr/>
+        </p:nvPicPr>
+        <p:blipFill>
+          <a:blip r:embed="rId3">
+            <a:extLst>
+              <a:ext uri="{28A0092B-C50C-407E-A947-70E740481C1C}">
+                <a14:useLocalDpi xmlns:a14="http://schemas.microsoft.com/office/drawing/2010/main" val="0"/>
+              </a:ext>
+            </a:extLst>
+          </a:blip>
+          <a:stretch>
+            <a:fillRect/>
+          </a:stretch>
+        </p:blipFill>
+        <p:spPr>
+          <a:xfrm>
+            <a:off x="5864616" y="4599552"/>
+            <a:ext cx="5581798" cy="958491"/>
+          </a:xfrm>
+          <a:prstGeom prst="rect">
+            <a:avLst/>
+          </a:prstGeom>
+        </p:spPr>
+      </p:pic>
+      <p:pic>
+        <p:nvPicPr>
+          <p:cNvPr id="8" name="Picture 7" descr="Rectangle&#10;&#10;Description automatically generated with medium confidence">
+            <a:extLst>
+              <a:ext uri="{FF2B5EF4-FFF2-40B4-BE49-F238E27FC236}">
+                <a16:creationId xmlns:a16="http://schemas.microsoft.com/office/drawing/2014/main" id="{FFBD64AE-3B4B-4323-82FA-19A272800CAE}"/>
+              </a:ext>
+            </a:extLst>
+          </p:cNvPr>
+          <p:cNvPicPr>
+            <a:picLocks noChangeAspect="1"/>
+          </p:cNvPicPr>
+          <p:nvPr/>
+        </p:nvPicPr>
+        <p:blipFill>
+          <a:blip r:embed="rId4">
+            <a:extLst>
+              <a:ext uri="{28A0092B-C50C-407E-A947-70E740481C1C}">
+                <a14:useLocalDpi xmlns:a14="http://schemas.microsoft.com/office/drawing/2010/main" val="0"/>
+              </a:ext>
+            </a:extLst>
+          </a:blip>
+          <a:stretch>
+            <a:fillRect/>
+          </a:stretch>
+        </p:blipFill>
+        <p:spPr>
+          <a:xfrm>
+            <a:off x="5864615" y="5278838"/>
+            <a:ext cx="5581798" cy="958491"/>
+          </a:xfrm>
+          <a:prstGeom prst="rect">
+            <a:avLst/>
+          </a:prstGeom>
+        </p:spPr>
+      </p:pic>
+    </p:spTree>
+    <p:extLst>
+      <p:ext uri="{BB962C8B-B14F-4D97-AF65-F5344CB8AC3E}">
+        <p14:creationId xmlns:p14="http://schemas.microsoft.com/office/powerpoint/2010/main" val="1088981818"/>
+      </p:ext>
+    </p:extLst>
+  </p:cSld>
+  <p:clrMapOvr>
+    <a:masterClrMapping/>
+  </p:clrMapOvr>
+  <mc:AlternateContent xmlns:mc="http://schemas.openxmlformats.org/markup-compatibility/2006">
+    <mc:Choice xmlns:p14="http://schemas.microsoft.com/office/powerpoint/2010/main" Requires="p14">
+      <p:transition spd="med" p14:dur="700">
+        <p:fade/>
+      </p:transition>
+    </mc:Choice>
+    <mc:Fallback>
+      <p:transition spd="med">
+        <p:fade/>
+      </p:transition>
+    </mc:Fallback>
+  </mc:AlternateContent>
+</p:sld>
+</file>
+
+<file path=ppt/slides/slide12.xml><?xml version="1.0" encoding="utf-8"?>
+<p:sld xmlns:a="http://schemas.openxmlformats.org/drawingml/2006/main" xmlns:r="http://schemas.openxmlformats.org/officeDocument/2006/relationships" xmlns:p="http://schemas.openxmlformats.org/presentationml/2006/main">
+  <p:cSld>
+    <p:spTree>
+      <p:nvGrpSpPr>
+        <p:cNvPr id="1" name=""/>
+        <p:cNvGrpSpPr/>
+        <p:nvPr/>
+      </p:nvGrpSpPr>
+      <p:grpSpPr>
+        <a:xfrm>
+          <a:off x="0" y="0"/>
+          <a:ext cx="0" cy="0"/>
+          <a:chOff x="0" y="0"/>
+          <a:chExt cx="0" cy="0"/>
+        </a:xfrm>
+      </p:grpSpPr>
+      <p:sp>
+        <p:nvSpPr>
+          <p:cNvPr id="2" name="Title 1">
+            <a:extLst>
+              <a:ext uri="{FF2B5EF4-FFF2-40B4-BE49-F238E27FC236}">
+                <a16:creationId xmlns:a16="http://schemas.microsoft.com/office/drawing/2014/main" id="{9D0ABB39-1ED0-4DF9-8B52-931F6FBEED07}"/>
+              </a:ext>
+            </a:extLst>
+          </p:cNvPr>
+          <p:cNvSpPr>
+            <a:spLocks noGrp="1"/>
+          </p:cNvSpPr>
+          <p:nvPr>
+            <p:ph type="ctrTitle"/>
+          </p:nvPr>
+        </p:nvSpPr>
+        <p:spPr/>
+        <p:txBody>
+          <a:bodyPr/>
+          <a:lstStyle/>
+          <a:p>
+            <a:r>
+              <a:rPr lang="en-US" dirty="0"/>
+              <a:t>Thank you</a:t>
+            </a:r>
+          </a:p>
+        </p:txBody>
+      </p:sp>
+      <p:sp>
+        <p:nvSpPr>
+          <p:cNvPr id="3" name="Subtitle 2">
+            <a:extLst>
+              <a:ext uri="{FF2B5EF4-FFF2-40B4-BE49-F238E27FC236}">
+                <a16:creationId xmlns:a16="http://schemas.microsoft.com/office/drawing/2014/main" id="{8A6E2C4D-7B0E-4AB1-81C7-45CDA2528CBC}"/>
+              </a:ext>
+            </a:extLst>
+          </p:cNvPr>
+          <p:cNvSpPr>
+            <a:spLocks noGrp="1"/>
+          </p:cNvSpPr>
+          <p:nvPr>
+            <p:ph type="subTitle" idx="1"/>
+          </p:nvPr>
+        </p:nvSpPr>
+        <p:spPr/>
+        <p:txBody>
+          <a:bodyPr/>
+          <a:lstStyle/>
+          <a:p>
+            <a:r>
+              <a:rPr lang="en-US" dirty="0"/>
+              <a:t>COMP1011 Group 8</a:t>
+            </a:r>
+          </a:p>
+        </p:txBody>
+      </p:sp>
+    </p:spTree>
+    <p:extLst>
+      <p:ext uri="{BB962C8B-B14F-4D97-AF65-F5344CB8AC3E}">
+        <p14:creationId xmlns:p14="http://schemas.microsoft.com/office/powerpoint/2010/main" val="134481380"/>
+      </p:ext>
+    </p:extLst>
+  </p:cSld>
+  <p:clrMapOvr>
+    <a:masterClrMapping/>
+  </p:clrMapOvr>
+  <mc:AlternateContent xmlns:mc="http://schemas.openxmlformats.org/markup-compatibility/2006">
+    <mc:Choice xmlns:p14="http://schemas.microsoft.com/office/powerpoint/2010/main" Requires="p14">
+      <p:transition spd="med" p14:dur="700">
+        <p:fade/>
+      </p:transition>
+    </mc:Choice>
+    <mc:Fallback>
+      <p:transition spd="med">
+        <p:fade/>
+      </p:transition>
+    </mc:Fallback>
+  </mc:AlternateContent>
+</p:sld>
+</file>
+
+<file path=ppt/slides/slide2.xml><?xml version="1.0" encoding="utf-8"?>
+<p:sld xmlns:a="http://schemas.openxmlformats.org/drawingml/2006/main" xmlns:r="http://schemas.openxmlformats.org/officeDocument/2006/relationships" xmlns:p="http://schemas.openxmlformats.org/presentationml/2006/main">
+  <p:cSld>
+    <p:spTree>
+      <p:nvGrpSpPr>
+        <p:cNvPr id="1" name=""/>
+        <p:cNvGrpSpPr/>
+        <p:nvPr/>
+      </p:nvGrpSpPr>
+      <p:grpSpPr>
+        <a:xfrm>
+          <a:off x="0" y="0"/>
+          <a:ext cx="0" cy="0"/>
+          <a:chOff x="0" y="0"/>
+          <a:chExt cx="0" cy="0"/>
+        </a:xfrm>
+      </p:grpSpPr>
+      <p:sp>
+        <p:nvSpPr>
+          <p:cNvPr id="2" name="Title 1">
+            <a:extLst>
+              <a:ext uri="{FF2B5EF4-FFF2-40B4-BE49-F238E27FC236}">
+                <a16:creationId xmlns:a16="http://schemas.microsoft.com/office/drawing/2014/main" id="{466953E7-64BB-4E79-B5A2-A3975DCECAE1}"/>
+              </a:ext>
+            </a:extLst>
+          </p:cNvPr>
+          <p:cNvSpPr>
+            <a:spLocks noGrp="1"/>
+          </p:cNvSpPr>
+          <p:nvPr>
+            <p:ph type="title"/>
+          </p:nvPr>
+        </p:nvSpPr>
+        <p:spPr/>
+        <p:txBody>
+          <a:bodyPr/>
+          <a:lstStyle/>
+          <a:p>
+            <a:r>
+              <a:rPr lang="en-US" dirty="0"/>
+              <a:t>Introduction</a:t>
+            </a:r>
+          </a:p>
+        </p:txBody>
+      </p:sp>
+      <p:sp>
+        <p:nvSpPr>
+          <p:cNvPr id="3" name="Content Placeholder 2">
+            <a:extLst>
+              <a:ext uri="{FF2B5EF4-FFF2-40B4-BE49-F238E27FC236}">
+                <a16:creationId xmlns:a16="http://schemas.microsoft.com/office/drawing/2014/main" id="{D959695B-A3FC-4590-84FC-7637C223F8BF}"/>
+              </a:ext>
+            </a:extLst>
+          </p:cNvPr>
+          <p:cNvSpPr>
+            <a:spLocks noGrp="1"/>
+          </p:cNvSpPr>
+          <p:nvPr>
+            <p:ph idx="1"/>
+          </p:nvPr>
+        </p:nvSpPr>
+        <p:spPr/>
+        <p:txBody>
+          <a:bodyPr/>
+          <a:lstStyle/>
+          <a:p>
+            <a:r>
+              <a:rPr lang="en-US" dirty="0"/>
+              <a:t>A search engine to search information on COMP subjects</a:t>
+            </a:r>
+          </a:p>
+        </p:txBody>
+      </p:sp>
+      <p:pic>
+        <p:nvPicPr>
+          <p:cNvPr id="5" name="Picture 4">
+            <a:extLst>
+              <a:ext uri="{FF2B5EF4-FFF2-40B4-BE49-F238E27FC236}">
+                <a16:creationId xmlns:a16="http://schemas.microsoft.com/office/drawing/2014/main" id="{24DA061C-4047-4322-9BDE-931CE462F762}"/>
+              </a:ext>
+            </a:extLst>
+          </p:cNvPr>
+          <p:cNvPicPr>
+            <a:picLocks noChangeAspect="1"/>
+          </p:cNvPicPr>
+          <p:nvPr/>
+        </p:nvPicPr>
+        <p:blipFill rotWithShape="1">
+          <a:blip r:embed="rId2"/>
+          <a:srcRect l="17187" t="48935" r="19062" b="19584"/>
+          <a:stretch/>
+        </p:blipFill>
+        <p:spPr>
+          <a:xfrm>
+            <a:off x="1428750" y="3551301"/>
+            <a:ext cx="9566910" cy="2657475"/>
+          </a:xfrm>
+          <a:prstGeom prst="rect">
+            <a:avLst/>
+          </a:prstGeom>
+        </p:spPr>
+      </p:pic>
+    </p:spTree>
+    <p:extLst>
+      <p:ext uri="{BB962C8B-B14F-4D97-AF65-F5344CB8AC3E}">
+        <p14:creationId xmlns:p14="http://schemas.microsoft.com/office/powerpoint/2010/main" val="2212673990"/>
+      </p:ext>
+    </p:extLst>
+  </p:cSld>
+  <p:clrMapOvr>
+    <a:masterClrMapping/>
+  </p:clrMapOvr>
+  <mc:AlternateContent xmlns:mc="http://schemas.openxmlformats.org/markup-compatibility/2006">
+    <mc:Choice xmlns:p14="http://schemas.microsoft.com/office/powerpoint/2010/main" Requires="p14">
+      <p:transition spd="med" p14:dur="700">
+        <p:fade/>
+      </p:transition>
+    </mc:Choice>
+    <mc:Fallback>
+      <p:transition spd="med">
+        <p:fade/>
+      </p:transition>
+    </mc:Fallback>
+  </mc:AlternateContent>
+</p:sld>
+</file>
+
+<file path=ppt/slides/slide3.xml><?xml version="1.0" encoding="utf-8"?>
+<p:sld xmlns:a="http://schemas.openxmlformats.org/drawingml/2006/main" xmlns:r="http://schemas.openxmlformats.org/officeDocument/2006/relationships" xmlns:p="http://schemas.openxmlformats.org/presentationml/2006/main">
+  <p:cSld>
+    <p:spTree>
+      <p:nvGrpSpPr>
+        <p:cNvPr id="1" name=""/>
+        <p:cNvGrpSpPr/>
+        <p:nvPr/>
+      </p:nvGrpSpPr>
+      <p:grpSpPr>
+        <a:xfrm>
+          <a:off x="0" y="0"/>
+          <a:ext cx="0" cy="0"/>
+          <a:chOff x="0" y="0"/>
+          <a:chExt cx="0" cy="0"/>
+        </a:xfrm>
+      </p:grpSpPr>
+      <p:sp>
+        <p:nvSpPr>
+          <p:cNvPr id="2" name="Title 1">
+            <a:extLst>
+              <a:ext uri="{FF2B5EF4-FFF2-40B4-BE49-F238E27FC236}">
+                <a16:creationId xmlns:a16="http://schemas.microsoft.com/office/drawing/2014/main" id="{354FDF1B-262F-45A3-BDB9-2445ABA76772}"/>
+              </a:ext>
+            </a:extLst>
+          </p:cNvPr>
+          <p:cNvSpPr>
+            <a:spLocks noGrp="1"/>
+          </p:cNvSpPr>
+          <p:nvPr>
+            <p:ph type="title"/>
+          </p:nvPr>
+        </p:nvSpPr>
+        <p:spPr/>
+        <p:txBody>
+          <a:bodyPr/>
+          <a:lstStyle/>
+          <a:p>
+            <a:r>
+              <a:rPr lang="en-US" dirty="0"/>
+              <a:t>Introduction</a:t>
+            </a:r>
+          </a:p>
+        </p:txBody>
+      </p:sp>
+      <p:sp>
+        <p:nvSpPr>
+          <p:cNvPr id="3" name="Content Placeholder 2">
+            <a:extLst>
+              <a:ext uri="{FF2B5EF4-FFF2-40B4-BE49-F238E27FC236}">
+                <a16:creationId xmlns:a16="http://schemas.microsoft.com/office/drawing/2014/main" id="{3EE96C45-6BC9-4F9C-BF15-5C12ED983314}"/>
+              </a:ext>
+            </a:extLst>
+          </p:cNvPr>
+          <p:cNvSpPr>
+            <a:spLocks noGrp="1"/>
+          </p:cNvSpPr>
+          <p:nvPr>
+            <p:ph idx="1"/>
+          </p:nvPr>
+        </p:nvSpPr>
+        <p:spPr>
+          <a:xfrm>
+            <a:off x="1517904" y="2654710"/>
+            <a:ext cx="9144000" cy="3444338"/>
+          </a:xfrm>
+        </p:spPr>
+        <p:txBody>
+          <a:bodyPr>
+            <a:normAutofit/>
+          </a:bodyPr>
+          <a:lstStyle/>
+          <a:p>
+            <a:r>
+              <a:rPr lang="en-US" dirty="0"/>
+              <a:t>Fulfill project requirements</a:t>
+            </a:r>
+          </a:p>
+          <a:p>
+            <a:r>
+              <a:rPr lang="en-US" dirty="0"/>
+              <a:t>Have more advanced features</a:t>
+            </a:r>
+          </a:p>
+          <a:p>
+            <a:endParaRPr lang="en-US" dirty="0"/>
+          </a:p>
+          <a:p>
+            <a:r>
+              <a:rPr lang="en-US" dirty="0"/>
+              <a:t>Search in all content</a:t>
+            </a:r>
+          </a:p>
+          <a:p>
+            <a:r>
+              <a:rPr lang="en-US" dirty="0"/>
+              <a:t>User interaction for detail</a:t>
+            </a:r>
+          </a:p>
+          <a:p>
+            <a:r>
+              <a:rPr lang="en-US" dirty="0"/>
+              <a:t>Description form download</a:t>
+            </a:r>
+          </a:p>
+        </p:txBody>
+      </p:sp>
+    </p:spTree>
+    <p:extLst>
+      <p:ext uri="{BB962C8B-B14F-4D97-AF65-F5344CB8AC3E}">
+        <p14:creationId xmlns:p14="http://schemas.microsoft.com/office/powerpoint/2010/main" val="2979341434"/>
+      </p:ext>
+    </p:extLst>
+  </p:cSld>
+  <p:clrMapOvr>
+    <a:masterClrMapping/>
+  </p:clrMapOvr>
+  <mc:AlternateContent xmlns:mc="http://schemas.openxmlformats.org/markup-compatibility/2006">
+    <mc:Choice xmlns:p14="http://schemas.microsoft.com/office/powerpoint/2010/main" Requires="p14">
+      <p:transition spd="med" p14:dur="700">
+        <p:fade/>
+      </p:transition>
+    </mc:Choice>
+    <mc:Fallback>
+      <p:transition spd="med">
+        <p:fade/>
+      </p:transition>
+    </mc:Fallback>
+  </mc:AlternateContent>
+</p:sld>
+</file>
+
+<file path=ppt/slides/slide4.xml><?xml version="1.0" encoding="utf-8"?>
+<p:sld xmlns:a="http://schemas.openxmlformats.org/drawingml/2006/main" xmlns:r="http://schemas.openxmlformats.org/officeDocument/2006/relationships" xmlns:p="http://schemas.openxmlformats.org/presentationml/2006/main">
+  <p:cSld>
+    <p:spTree>
+      <p:nvGrpSpPr>
+        <p:cNvPr id="1" name=""/>
+        <p:cNvGrpSpPr/>
+        <p:nvPr/>
+      </p:nvGrpSpPr>
+      <p:grpSpPr>
+        <a:xfrm>
+          <a:off x="0" y="0"/>
+          <a:ext cx="0" cy="0"/>
+          <a:chOff x="0" y="0"/>
+          <a:chExt cx="0" cy="0"/>
+        </a:xfrm>
+      </p:grpSpPr>
+      <p:sp>
+        <p:nvSpPr>
+          <p:cNvPr id="2" name="Title 1">
+            <a:extLst>
+              <a:ext uri="{FF2B5EF4-FFF2-40B4-BE49-F238E27FC236}">
+                <a16:creationId xmlns:a16="http://schemas.microsoft.com/office/drawing/2014/main" id="{F4C9A7BA-6AD6-4736-871F-14AA51631CC7}"/>
+              </a:ext>
+            </a:extLst>
+          </p:cNvPr>
+          <p:cNvSpPr>
+            <a:spLocks noGrp="1"/>
+          </p:cNvSpPr>
+          <p:nvPr>
+            <p:ph type="title"/>
+          </p:nvPr>
+        </p:nvSpPr>
+        <p:spPr/>
+        <p:txBody>
+          <a:bodyPr/>
+          <a:lstStyle/>
+          <a:p>
+            <a:r>
+              <a:rPr lang="en-US" dirty="0"/>
+              <a:t>User Instructions</a:t>
+            </a:r>
+          </a:p>
+        </p:txBody>
+      </p:sp>
+      <p:sp>
+        <p:nvSpPr>
+          <p:cNvPr id="3" name="Content Placeholder 2">
+            <a:extLst>
+              <a:ext uri="{FF2B5EF4-FFF2-40B4-BE49-F238E27FC236}">
+                <a16:creationId xmlns:a16="http://schemas.microsoft.com/office/drawing/2014/main" id="{1E7D007B-A7C7-4BC9-B168-1753A36BD2CD}"/>
+              </a:ext>
+            </a:extLst>
+          </p:cNvPr>
+          <p:cNvSpPr>
+            <a:spLocks noGrp="1"/>
+          </p:cNvSpPr>
+          <p:nvPr>
+            <p:ph idx="1"/>
+          </p:nvPr>
+        </p:nvSpPr>
+        <p:spPr/>
+        <p:txBody>
+          <a:bodyPr/>
+          <a:lstStyle/>
+          <a:p>
+            <a:r>
+              <a:rPr lang="en-US" b="1" dirty="0"/>
+              <a:t>A user-friendly program.</a:t>
+            </a:r>
+          </a:p>
+          <a:p>
+            <a:endParaRPr lang="en-US" b="1" dirty="0"/>
+          </a:p>
+          <a:p>
+            <a:r>
+              <a:rPr lang="en-US" dirty="0"/>
+              <a:t>1. Type keywords</a:t>
+            </a:r>
+          </a:p>
+          <a:p>
+            <a:r>
+              <a:rPr lang="en-US" dirty="0"/>
+              <a:t>2. View the result</a:t>
+            </a:r>
+          </a:p>
+          <a:p>
+            <a:r>
+              <a:rPr lang="en-US" dirty="0"/>
+              <a:t>3. Select and view details</a:t>
+            </a:r>
+          </a:p>
+        </p:txBody>
+      </p:sp>
+    </p:spTree>
+    <p:extLst>
+      <p:ext uri="{BB962C8B-B14F-4D97-AF65-F5344CB8AC3E}">
+        <p14:creationId xmlns:p14="http://schemas.microsoft.com/office/powerpoint/2010/main" val="1856230245"/>
+      </p:ext>
+    </p:extLst>
+  </p:cSld>
+  <p:clrMapOvr>
+    <a:masterClrMapping/>
+  </p:clrMapOvr>
+  <mc:AlternateContent xmlns:mc="http://schemas.openxmlformats.org/markup-compatibility/2006">
+    <mc:Choice xmlns:p14="http://schemas.microsoft.com/office/powerpoint/2010/main" Requires="p14">
+      <p:transition spd="med" p14:dur="700">
+        <p:fade/>
+      </p:transition>
+    </mc:Choice>
+    <mc:Fallback>
+      <p:transition spd="med">
+        <p:fade/>
+      </p:transition>
+    </mc:Fallback>
+  </mc:AlternateContent>
+</p:sld>
+</file>
+
+<file path=ppt/slides/slide5.xml><?xml version="1.0" encoding="utf-8"?>
+<p:sld xmlns:a="http://schemas.openxmlformats.org/drawingml/2006/main" xmlns:r="http://schemas.openxmlformats.org/officeDocument/2006/relationships" xmlns:p="http://schemas.openxmlformats.org/presentationml/2006/main">
+  <p:cSld>
+    <p:spTree>
+      <p:nvGrpSpPr>
+        <p:cNvPr id="1" name=""/>
+        <p:cNvGrpSpPr/>
+        <p:nvPr/>
+      </p:nvGrpSpPr>
+      <p:grpSpPr>
+        <a:xfrm>
+          <a:off x="0" y="0"/>
+          <a:ext cx="0" cy="0"/>
+          <a:chOff x="0" y="0"/>
+          <a:chExt cx="0" cy="0"/>
+        </a:xfrm>
+      </p:grpSpPr>
+      <p:sp>
+        <p:nvSpPr>
+          <p:cNvPr id="2" name="Title 1">
+            <a:extLst>
+              <a:ext uri="{FF2B5EF4-FFF2-40B4-BE49-F238E27FC236}">
+                <a16:creationId xmlns:a16="http://schemas.microsoft.com/office/drawing/2014/main" id="{9AB13353-4B2B-4C14-B140-1C5DBA9E688D}"/>
+              </a:ext>
+            </a:extLst>
+          </p:cNvPr>
+          <p:cNvSpPr>
+            <a:spLocks noGrp="1"/>
+          </p:cNvSpPr>
+          <p:nvPr>
+            <p:ph type="title"/>
+          </p:nvPr>
+        </p:nvSpPr>
+        <p:spPr/>
+        <p:txBody>
+          <a:bodyPr/>
+          <a:lstStyle/>
+          <a:p>
+            <a:r>
+              <a:rPr lang="en-US" dirty="0"/>
+              <a:t>Algorithm</a:t>
+            </a:r>
+          </a:p>
+        </p:txBody>
+      </p:sp>
+      <p:sp>
+        <p:nvSpPr>
+          <p:cNvPr id="3" name="Content Placeholder 2">
+            <a:extLst>
+              <a:ext uri="{FF2B5EF4-FFF2-40B4-BE49-F238E27FC236}">
+                <a16:creationId xmlns:a16="http://schemas.microsoft.com/office/drawing/2014/main" id="{950317A4-5377-49AF-9C2B-00897875C794}"/>
+              </a:ext>
+            </a:extLst>
+          </p:cNvPr>
+          <p:cNvSpPr>
+            <a:spLocks noGrp="1"/>
+          </p:cNvSpPr>
+          <p:nvPr>
+            <p:ph idx="1"/>
+          </p:nvPr>
+        </p:nvSpPr>
+        <p:spPr/>
+        <p:txBody>
+          <a:bodyPr>
+            <a:normAutofit/>
+          </a:bodyPr>
+          <a:lstStyle/>
+          <a:p>
+            <a:r>
+              <a:rPr lang="en-US" altLang="zh-CN" b="1" dirty="0"/>
+              <a:t>Speed</a:t>
+            </a:r>
+            <a:r>
+              <a:rPr lang="en-US" altLang="zh-CN" dirty="0"/>
+              <a:t> is the most important</a:t>
+            </a:r>
+          </a:p>
+          <a:p>
+            <a:endParaRPr lang="en-US" altLang="zh-CN" dirty="0"/>
+          </a:p>
+          <a:p>
+            <a:r>
+              <a:rPr lang="en-US" altLang="zh-CN" dirty="0"/>
+              <a:t>We refer to the algorithm of Elastic Search</a:t>
+            </a:r>
+            <a:endParaRPr lang="en-US" dirty="0"/>
+          </a:p>
+          <a:p>
+            <a:r>
+              <a:rPr lang="en-US" dirty="0"/>
+              <a:t>We improved the search method for our needs</a:t>
+            </a:r>
+          </a:p>
+          <a:p>
+            <a:r>
+              <a:rPr lang="en-US" dirty="0"/>
+              <a:t>We use “reverse index” for sorting.</a:t>
+            </a:r>
+          </a:p>
+          <a:p>
+            <a:pPr marL="0" indent="0">
+              <a:buNone/>
+            </a:pPr>
+            <a:endParaRPr lang="en-US" dirty="0"/>
+          </a:p>
+        </p:txBody>
+      </p:sp>
+      <p:pic>
+        <p:nvPicPr>
+          <p:cNvPr id="1026" name="Picture 2" descr="Getting up and running a basic managed Alibaba Cloud ElasticSearch »  Alberto Roura's Blog">
+            <a:extLst>
+              <a:ext uri="{FF2B5EF4-FFF2-40B4-BE49-F238E27FC236}">
+                <a16:creationId xmlns:a16="http://schemas.microsoft.com/office/drawing/2014/main" id="{272AAF13-B8FE-477B-A26F-3B0A444ECBD1}"/>
+              </a:ext>
+            </a:extLst>
+          </p:cNvPr>
+          <p:cNvPicPr>
+            <a:picLocks noChangeAspect="1" noChangeArrowheads="1"/>
+          </p:cNvPicPr>
+          <p:nvPr/>
+        </p:nvPicPr>
+        <p:blipFill>
+          <a:blip r:embed="rId2">
+            <a:extLst>
+              <a:ext uri="{28A0092B-C50C-407E-A947-70E740481C1C}">
+                <a14:useLocalDpi xmlns:a14="http://schemas.microsoft.com/office/drawing/2010/main" val="0"/>
+              </a:ext>
+            </a:extLst>
+          </a:blip>
+          <a:srcRect/>
+          <a:stretch>
+            <a:fillRect/>
+          </a:stretch>
+        </p:blipFill>
+        <p:spPr bwMode="auto">
+          <a:xfrm>
+            <a:off x="6473963" y="1089610"/>
+            <a:ext cx="5342875" cy="2780661"/>
+          </a:xfrm>
+          <a:prstGeom prst="rect">
+            <a:avLst/>
+          </a:prstGeom>
+          <a:noFill/>
+          <a:extLst>
+            <a:ext uri="{909E8E84-426E-40DD-AFC4-6F175D3DCCD1}">
+              <a14:hiddenFill xmlns:a14="http://schemas.microsoft.com/office/drawing/2010/main">
+                <a:solidFill>
+                  <a:srgbClr val="FFFFFF"/>
+                </a:solidFill>
+              </a14:hiddenFill>
+            </a:ext>
+          </a:extLst>
+        </p:spPr>
+      </p:pic>
+    </p:spTree>
+    <p:extLst>
+      <p:ext uri="{BB962C8B-B14F-4D97-AF65-F5344CB8AC3E}">
+        <p14:creationId xmlns:p14="http://schemas.microsoft.com/office/powerpoint/2010/main" val="1108432234"/>
+      </p:ext>
+    </p:extLst>
+  </p:cSld>
+  <p:clrMapOvr>
+    <a:masterClrMapping/>
+  </p:clrMapOvr>
+  <mc:AlternateContent xmlns:mc="http://schemas.openxmlformats.org/markup-compatibility/2006">
+    <mc:Choice xmlns:p14="http://schemas.microsoft.com/office/powerpoint/2010/main" Requires="p14">
+      <p:transition spd="med" p14:dur="700">
+        <p:fade/>
+      </p:transition>
+    </mc:Choice>
+    <mc:Fallback>
+      <p:transition spd="med">
+        <p:fade/>
+      </p:transition>
+    </mc:Fallback>
+  </mc:AlternateContent>
+</p:sld>
+</file>
+
+<file path=ppt/slides/slide6.xml><?xml version="1.0" encoding="utf-8"?>
+<p:sld xmlns:a="http://schemas.openxmlformats.org/drawingml/2006/main" xmlns:r="http://schemas.openxmlformats.org/officeDocument/2006/relationships" xmlns:p="http://schemas.openxmlformats.org/presentationml/2006/main">
+  <p:cSld>
+    <p:spTree>
+      <p:nvGrpSpPr>
+        <p:cNvPr id="1" name=""/>
+        <p:cNvGrpSpPr/>
+        <p:nvPr/>
+      </p:nvGrpSpPr>
+      <p:grpSpPr>
+        <a:xfrm>
+          <a:off x="0" y="0"/>
+          <a:ext cx="0" cy="0"/>
+          <a:chOff x="0" y="0"/>
+          <a:chExt cx="0" cy="0"/>
+        </a:xfrm>
+      </p:grpSpPr>
+      <p:sp>
+        <p:nvSpPr>
+          <p:cNvPr id="2" name="Title 1">
+            <a:extLst>
+              <a:ext uri="{FF2B5EF4-FFF2-40B4-BE49-F238E27FC236}">
+                <a16:creationId xmlns:a16="http://schemas.microsoft.com/office/drawing/2014/main" id="{5530E001-A8DB-4954-A6B9-B34ED26C88B0}"/>
+              </a:ext>
+            </a:extLst>
+          </p:cNvPr>
+          <p:cNvSpPr>
+            <a:spLocks noGrp="1"/>
+          </p:cNvSpPr>
+          <p:nvPr>
+            <p:ph type="title"/>
+          </p:nvPr>
+        </p:nvSpPr>
+        <p:spPr/>
+        <p:txBody>
+          <a:bodyPr/>
+          <a:lstStyle/>
+          <a:p>
+            <a:r>
+              <a:rPr lang="en-US" dirty="0"/>
+              <a:t>Algorithm</a:t>
+            </a:r>
+          </a:p>
+        </p:txBody>
+      </p:sp>
+      <p:pic>
+        <p:nvPicPr>
+          <p:cNvPr id="7" name="Content Placeholder 6" descr="Chart, scatter chart&#10;&#10;Description automatically generated">
+            <a:extLst>
+              <a:ext uri="{FF2B5EF4-FFF2-40B4-BE49-F238E27FC236}">
+                <a16:creationId xmlns:a16="http://schemas.microsoft.com/office/drawing/2014/main" id="{E4284740-C311-46DA-8A46-B8AF77F8DDDB}"/>
+              </a:ext>
+            </a:extLst>
+          </p:cNvPr>
+          <p:cNvPicPr>
+            <a:picLocks noGrp="1" noChangeAspect="1"/>
+          </p:cNvPicPr>
+          <p:nvPr>
+            <p:ph idx="1"/>
+          </p:nvPr>
+        </p:nvPicPr>
+        <p:blipFill>
+          <a:blip r:embed="rId2">
+            <a:extLst>
+              <a:ext uri="{28A0092B-C50C-407E-A947-70E740481C1C}">
+                <a14:useLocalDpi xmlns:a14="http://schemas.microsoft.com/office/drawing/2010/main" val="0"/>
+              </a:ext>
+            </a:extLst>
+          </a:blip>
+          <a:stretch>
+            <a:fillRect/>
+          </a:stretch>
+        </p:blipFill>
+        <p:spPr>
+          <a:xfrm>
+            <a:off x="1517904" y="2104144"/>
+            <a:ext cx="9688364" cy="4445977"/>
+          </a:xfrm>
+        </p:spPr>
+      </p:pic>
+    </p:spTree>
+    <p:extLst>
+      <p:ext uri="{BB962C8B-B14F-4D97-AF65-F5344CB8AC3E}">
+        <p14:creationId xmlns:p14="http://schemas.microsoft.com/office/powerpoint/2010/main" val="3487136658"/>
+      </p:ext>
+    </p:extLst>
+  </p:cSld>
+  <p:clrMapOvr>
+    <a:masterClrMapping/>
+  </p:clrMapOvr>
+  <mc:AlternateContent xmlns:mc="http://schemas.openxmlformats.org/markup-compatibility/2006">
+    <mc:Choice xmlns:p14="http://schemas.microsoft.com/office/powerpoint/2010/main" Requires="p14">
+      <p:transition spd="med" p14:dur="700">
+        <p:fade/>
+      </p:transition>
+    </mc:Choice>
+    <mc:Fallback>
+      <p:transition spd="med">
+        <p:fade/>
+      </p:transition>
+    </mc:Fallback>
+  </mc:AlternateContent>
+</p:sld>
+</file>
+
+<file path=ppt/slides/slide7.xml><?xml version="1.0" encoding="utf-8"?>
+<p:sld xmlns:a="http://schemas.openxmlformats.org/drawingml/2006/main" xmlns:r="http://schemas.openxmlformats.org/officeDocument/2006/relationships" xmlns:p="http://schemas.openxmlformats.org/presentationml/2006/main">
+  <p:cSld>
+    <p:spTree>
+      <p:nvGrpSpPr>
+        <p:cNvPr id="1" name=""/>
+        <p:cNvGrpSpPr/>
+        <p:nvPr/>
+      </p:nvGrpSpPr>
+      <p:grpSpPr>
+        <a:xfrm>
+          <a:off x="0" y="0"/>
+          <a:ext cx="0" cy="0"/>
+          <a:chOff x="0" y="0"/>
+          <a:chExt cx="0" cy="0"/>
+        </a:xfrm>
+      </p:grpSpPr>
+      <p:sp>
+        <p:nvSpPr>
+          <p:cNvPr id="2" name="Title 1">
+            <a:extLst>
+              <a:ext uri="{FF2B5EF4-FFF2-40B4-BE49-F238E27FC236}">
+                <a16:creationId xmlns:a16="http://schemas.microsoft.com/office/drawing/2014/main" id="{5530E001-A8DB-4954-A6B9-B34ED26C88B0}"/>
+              </a:ext>
+            </a:extLst>
+          </p:cNvPr>
+          <p:cNvSpPr>
+            <a:spLocks noGrp="1"/>
+          </p:cNvSpPr>
+          <p:nvPr>
+            <p:ph type="title"/>
+          </p:nvPr>
+        </p:nvSpPr>
+        <p:spPr/>
+        <p:txBody>
+          <a:bodyPr/>
+          <a:lstStyle/>
+          <a:p>
+            <a:r>
+              <a:rPr lang="en-US" dirty="0"/>
+              <a:t>Algorithm</a:t>
+            </a:r>
+          </a:p>
+        </p:txBody>
+      </p:sp>
+      <p:sp>
+        <p:nvSpPr>
+          <p:cNvPr id="3" name="Content Placeholder 2">
+            <a:extLst>
+              <a:ext uri="{FF2B5EF4-FFF2-40B4-BE49-F238E27FC236}">
+                <a16:creationId xmlns:a16="http://schemas.microsoft.com/office/drawing/2014/main" id="{E87D1561-59DB-4C96-AAD6-5C37D7BF44EC}"/>
+              </a:ext>
+            </a:extLst>
+          </p:cNvPr>
+          <p:cNvSpPr>
+            <a:spLocks noGrp="1"/>
+          </p:cNvSpPr>
+          <p:nvPr>
+            <p:ph idx="1"/>
+          </p:nvPr>
+        </p:nvSpPr>
+        <p:spPr/>
+        <p:txBody>
+          <a:bodyPr/>
+          <a:lstStyle/>
+          <a:p>
+            <a:r>
+              <a:rPr lang="en-US" dirty="0"/>
+              <a:t>Use </a:t>
+            </a:r>
+            <a:r>
+              <a:rPr lang="en-US" altLang="zh-CN" dirty="0"/>
+              <a:t>red-black</a:t>
+            </a:r>
+            <a:r>
+              <a:rPr lang="en-US" dirty="0"/>
+              <a:t> tree to translate word to word ID</a:t>
+            </a:r>
+          </a:p>
+        </p:txBody>
+      </p:sp>
+      <p:pic>
+        <p:nvPicPr>
+          <p:cNvPr id="1026" name="Picture 2" descr="Red–black tree - Wikipedia">
+            <a:extLst>
+              <a:ext uri="{FF2B5EF4-FFF2-40B4-BE49-F238E27FC236}">
+                <a16:creationId xmlns:a16="http://schemas.microsoft.com/office/drawing/2014/main" id="{58049C4A-4B99-4005-8B38-1943D2BBB3BF}"/>
+              </a:ext>
+            </a:extLst>
+          </p:cNvPr>
+          <p:cNvPicPr>
+            <a:picLocks noChangeAspect="1" noChangeArrowheads="1"/>
+          </p:cNvPicPr>
+          <p:nvPr/>
+        </p:nvPicPr>
+        <p:blipFill>
+          <a:blip r:embed="rId2">
+            <a:extLst>
+              <a:ext uri="{28A0092B-C50C-407E-A947-70E740481C1C}">
+                <a14:useLocalDpi xmlns:a14="http://schemas.microsoft.com/office/drawing/2010/main" val="0"/>
+              </a:ext>
+            </a:extLst>
+          </a:blip>
+          <a:srcRect/>
+          <a:stretch>
+            <a:fillRect/>
+          </a:stretch>
+        </p:blipFill>
+        <p:spPr bwMode="auto">
+          <a:xfrm>
+            <a:off x="2821243" y="3602056"/>
+            <a:ext cx="6287966" cy="2606720"/>
+          </a:xfrm>
+          <a:prstGeom prst="rect">
+            <a:avLst/>
+          </a:prstGeom>
+          <a:noFill/>
+          <a:extLst>
+            <a:ext uri="{909E8E84-426E-40DD-AFC4-6F175D3DCCD1}">
+              <a14:hiddenFill xmlns:a14="http://schemas.microsoft.com/office/drawing/2010/main">
+                <a:solidFill>
+                  <a:srgbClr val="FFFFFF"/>
+                </a:solidFill>
+              </a14:hiddenFill>
+            </a:ext>
+          </a:extLst>
+        </p:spPr>
+      </p:pic>
+    </p:spTree>
+    <p:extLst>
+      <p:ext uri="{BB962C8B-B14F-4D97-AF65-F5344CB8AC3E}">
+        <p14:creationId xmlns:p14="http://schemas.microsoft.com/office/powerpoint/2010/main" val="1557068927"/>
+      </p:ext>
+    </p:extLst>
+  </p:cSld>
+  <p:clrMapOvr>
+    <a:masterClrMapping/>
+  </p:clrMapOvr>
+  <mc:AlternateContent xmlns:mc="http://schemas.openxmlformats.org/markup-compatibility/2006">
+    <mc:Choice xmlns:p14="http://schemas.microsoft.com/office/powerpoint/2010/main" Requires="p14">
+      <p:transition spd="med" p14:dur="700">
+        <p:fade/>
+      </p:transition>
+    </mc:Choice>
+    <mc:Fallback>
+      <p:transition spd="med">
+        <p:fade/>
+      </p:transition>
+    </mc:Fallback>
+  </mc:AlternateContent>
+</p:sld>
+</file>
+
+<file path=ppt/slides/slide8.xml><?xml version="1.0" encoding="utf-8"?>
+<p:sld xmlns:a="http://schemas.openxmlformats.org/drawingml/2006/main" xmlns:r="http://schemas.openxmlformats.org/officeDocument/2006/relationships" xmlns:p="http://schemas.openxmlformats.org/presentationml/2006/main">
+  <p:cSld>
+    <p:spTree>
+      <p:nvGrpSpPr>
+        <p:cNvPr id="1" name=""/>
+        <p:cNvGrpSpPr/>
+        <p:nvPr/>
+      </p:nvGrpSpPr>
+      <p:grpSpPr>
+        <a:xfrm>
+          <a:off x="0" y="0"/>
+          <a:ext cx="0" cy="0"/>
+          <a:chOff x="0" y="0"/>
+          <a:chExt cx="0" cy="0"/>
+        </a:xfrm>
+      </p:grpSpPr>
+      <p:sp>
+        <p:nvSpPr>
+          <p:cNvPr id="2" name="Title 1">
+            <a:extLst>
+              <a:ext uri="{FF2B5EF4-FFF2-40B4-BE49-F238E27FC236}">
+                <a16:creationId xmlns:a16="http://schemas.microsoft.com/office/drawing/2014/main" id="{5530E001-A8DB-4954-A6B9-B34ED26C88B0}"/>
+              </a:ext>
+            </a:extLst>
+          </p:cNvPr>
+          <p:cNvSpPr>
+            <a:spLocks noGrp="1"/>
+          </p:cNvSpPr>
+          <p:nvPr>
+            <p:ph type="title"/>
+          </p:nvPr>
+        </p:nvSpPr>
+        <p:spPr/>
+        <p:txBody>
+          <a:bodyPr/>
+          <a:lstStyle/>
+          <a:p>
+            <a:r>
+              <a:rPr lang="en-US" dirty="0"/>
+              <a:t>Data Structure</a:t>
+            </a:r>
+          </a:p>
+        </p:txBody>
+      </p:sp>
+      <p:sp>
+        <p:nvSpPr>
+          <p:cNvPr id="3" name="Content Placeholder 2">
+            <a:extLst>
+              <a:ext uri="{FF2B5EF4-FFF2-40B4-BE49-F238E27FC236}">
+                <a16:creationId xmlns:a16="http://schemas.microsoft.com/office/drawing/2014/main" id="{E87D1561-59DB-4C96-AAD6-5C37D7BF44EC}"/>
+              </a:ext>
+            </a:extLst>
+          </p:cNvPr>
+          <p:cNvSpPr>
+            <a:spLocks noGrp="1"/>
+          </p:cNvSpPr>
+          <p:nvPr>
+            <p:ph idx="1"/>
+          </p:nvPr>
+        </p:nvSpPr>
+        <p:spPr>
+          <a:xfrm>
+            <a:off x="1517904" y="2212848"/>
+            <a:ext cx="9144000" cy="3127248"/>
+          </a:xfrm>
+        </p:spPr>
+        <p:txBody>
+          <a:bodyPr/>
+          <a:lstStyle/>
+          <a:p>
+            <a:r>
+              <a:rPr lang="en-US" dirty="0"/>
+              <a:t>Two headers, contain two classes</a:t>
+            </a:r>
+          </a:p>
+          <a:p>
+            <a:r>
+              <a:rPr lang="en-US" dirty="0"/>
+              <a:t>Class Dictionary: contain word string, word ID, appeared document ID in title/content</a:t>
+            </a:r>
+          </a:p>
+        </p:txBody>
+      </p:sp>
+      <p:pic>
+        <p:nvPicPr>
+          <p:cNvPr id="5" name="Picture 4" descr="Text&#10;&#10;Description automatically generated">
+            <a:extLst>
+              <a:ext uri="{FF2B5EF4-FFF2-40B4-BE49-F238E27FC236}">
+                <a16:creationId xmlns:a16="http://schemas.microsoft.com/office/drawing/2014/main" id="{16CF38F0-D4AA-4008-8669-D0BEBF257971}"/>
+              </a:ext>
+            </a:extLst>
+          </p:cNvPr>
+          <p:cNvPicPr>
+            <a:picLocks noChangeAspect="1"/>
+          </p:cNvPicPr>
+          <p:nvPr/>
+        </p:nvPicPr>
+        <p:blipFill rotWithShape="1">
+          <a:blip r:embed="rId2">
+            <a:extLst>
+              <a:ext uri="{28A0092B-C50C-407E-A947-70E740481C1C}">
+                <a14:useLocalDpi xmlns:a14="http://schemas.microsoft.com/office/drawing/2010/main" val="0"/>
+              </a:ext>
+            </a:extLst>
+          </a:blip>
+          <a:srcRect l="2921" t="6109" r="2990" b="8022"/>
+          <a:stretch/>
+        </p:blipFill>
+        <p:spPr>
+          <a:xfrm>
+            <a:off x="2014537" y="3557016"/>
+            <a:ext cx="8162925" cy="3183650"/>
+          </a:xfrm>
+          <a:prstGeom prst="rect">
+            <a:avLst/>
+          </a:prstGeom>
+        </p:spPr>
+      </p:pic>
+    </p:spTree>
+    <p:extLst>
+      <p:ext uri="{BB962C8B-B14F-4D97-AF65-F5344CB8AC3E}">
+        <p14:creationId xmlns:p14="http://schemas.microsoft.com/office/powerpoint/2010/main" val="4004295929"/>
+      </p:ext>
+    </p:extLst>
+  </p:cSld>
+  <p:clrMapOvr>
+    <a:masterClrMapping/>
+  </p:clrMapOvr>
+  <mc:AlternateContent xmlns:mc="http://schemas.openxmlformats.org/markup-compatibility/2006">
+    <mc:Choice xmlns:p14="http://schemas.microsoft.com/office/powerpoint/2010/main" Requires="p14">
+      <p:transition spd="med" p14:dur="700">
+        <p:fade/>
+      </p:transition>
+    </mc:Choice>
+    <mc:Fallback>
+      <p:transition spd="med">
+        <p:fade/>
+      </p:transition>
+    </mc:Fallback>
+  </mc:AlternateContent>
+</p:sld>
+</file>
+
+<file path=ppt/slides/slide9.xml><?xml version="1.0" encoding="utf-8"?>
 <p:sld xmlns:a="http://schemas.openxmlformats.org/drawingml/2006/main" xmlns:r="http://schemas.openxmlformats.org/officeDocument/2006/relationships" xmlns:p="http://schemas.openxmlformats.org/presentationml/2006/main">
   <p:cSld>
     <p:spTree>
@@ -4209,1597 +6049,18 @@
   <p:clrMapOvr>
     <a:masterClrMapping/>
   </p:clrMapOvr>
-</p:sld>
-</file>
-
-<file path=ppt/slides/slide11.xml><?xml version="1.0" encoding="utf-8"?>
-<p:sld xmlns:a="http://schemas.openxmlformats.org/drawingml/2006/main" xmlns:r="http://schemas.openxmlformats.org/officeDocument/2006/relationships" xmlns:p="http://schemas.openxmlformats.org/presentationml/2006/main">
-  <p:cSld>
-    <p:spTree>
-      <p:nvGrpSpPr>
-        <p:cNvPr id="1" name=""/>
-        <p:cNvGrpSpPr/>
-        <p:nvPr/>
-      </p:nvGrpSpPr>
-      <p:grpSpPr>
-        <a:xfrm>
-          <a:off x="0" y="0"/>
-          <a:ext cx="0" cy="0"/>
-          <a:chOff x="0" y="0"/>
-          <a:chExt cx="0" cy="0"/>
-        </a:xfrm>
-      </p:grpSpPr>
-      <p:sp>
-        <p:nvSpPr>
-          <p:cNvPr id="2" name="Title 1">
-            <a:extLst>
-              <a:ext uri="{FF2B5EF4-FFF2-40B4-BE49-F238E27FC236}">
-                <a16:creationId xmlns:a16="http://schemas.microsoft.com/office/drawing/2014/main" id="{600F27D4-DF8A-48A3-A0B6-8EB5AE83177D}"/>
-              </a:ext>
-            </a:extLst>
-          </p:cNvPr>
-          <p:cNvSpPr>
-            <a:spLocks noGrp="1"/>
-          </p:cNvSpPr>
-          <p:nvPr>
-            <p:ph type="title"/>
-          </p:nvPr>
-        </p:nvSpPr>
-        <p:spPr/>
-        <p:txBody>
-          <a:bodyPr/>
-          <a:lstStyle/>
-          <a:p>
-            <a:r>
-              <a:rPr lang="en-US" dirty="0"/>
-              <a:t>Implementation</a:t>
-            </a:r>
-          </a:p>
-        </p:txBody>
-      </p:sp>
-      <p:sp>
-        <p:nvSpPr>
-          <p:cNvPr id="3" name="Content Placeholder 2">
-            <a:extLst>
-              <a:ext uri="{FF2B5EF4-FFF2-40B4-BE49-F238E27FC236}">
-                <a16:creationId xmlns:a16="http://schemas.microsoft.com/office/drawing/2014/main" id="{2F70632A-997C-414C-B0D5-108E6949F8C8}"/>
-              </a:ext>
-            </a:extLst>
-          </p:cNvPr>
-          <p:cNvSpPr>
-            <a:spLocks noGrp="1"/>
-          </p:cNvSpPr>
-          <p:nvPr>
-            <p:ph idx="1"/>
-          </p:nvPr>
-        </p:nvSpPr>
-        <p:spPr/>
-        <p:txBody>
-          <a:bodyPr/>
-          <a:lstStyle/>
-          <a:p>
-            <a:r>
-              <a:rPr lang="en-US" dirty="0"/>
-              <a:t>Data Pre-process</a:t>
-            </a:r>
-          </a:p>
-          <a:p>
-            <a:r>
-              <a:rPr lang="en-US" dirty="0"/>
-              <a:t>Data Structure Design</a:t>
-            </a:r>
-          </a:p>
-          <a:p>
-            <a:r>
-              <a:rPr lang="en-US" dirty="0"/>
-              <a:t>User Input Process</a:t>
-            </a:r>
-          </a:p>
-          <a:p>
-            <a:r>
-              <a:rPr lang="en-US" dirty="0"/>
-              <a:t>Relative Index Calculation</a:t>
-            </a:r>
-          </a:p>
-          <a:p>
-            <a:r>
-              <a:rPr lang="en-US" dirty="0"/>
-              <a:t>Result Display</a:t>
-            </a:r>
-          </a:p>
-        </p:txBody>
-      </p:sp>
-    </p:spTree>
-    <p:extLst>
-      <p:ext uri="{BB962C8B-B14F-4D97-AF65-F5344CB8AC3E}">
-        <p14:creationId xmlns:p14="http://schemas.microsoft.com/office/powerpoint/2010/main" val="345717544"/>
-      </p:ext>
-    </p:extLst>
-  </p:cSld>
-  <p:clrMapOvr>
-    <a:masterClrMapping/>
-  </p:clrMapOvr>
-</p:sld>
-</file>
-
-<file path=ppt/slides/slide12.xml><?xml version="1.0" encoding="utf-8"?>
-<p:sld xmlns:a="http://schemas.openxmlformats.org/drawingml/2006/main" xmlns:r="http://schemas.openxmlformats.org/officeDocument/2006/relationships" xmlns:p="http://schemas.openxmlformats.org/presentationml/2006/main">
-  <p:cSld>
-    <p:spTree>
-      <p:nvGrpSpPr>
-        <p:cNvPr id="1" name=""/>
-        <p:cNvGrpSpPr/>
-        <p:nvPr/>
-      </p:nvGrpSpPr>
-      <p:grpSpPr>
-        <a:xfrm>
-          <a:off x="0" y="0"/>
-          <a:ext cx="0" cy="0"/>
-          <a:chOff x="0" y="0"/>
-          <a:chExt cx="0" cy="0"/>
-        </a:xfrm>
-      </p:grpSpPr>
-      <p:sp>
-        <p:nvSpPr>
-          <p:cNvPr id="2" name="Title 1">
-            <a:extLst>
-              <a:ext uri="{FF2B5EF4-FFF2-40B4-BE49-F238E27FC236}">
-                <a16:creationId xmlns:a16="http://schemas.microsoft.com/office/drawing/2014/main" id="{C85E67C5-5394-4925-89AD-45283F3313C1}"/>
-              </a:ext>
-            </a:extLst>
-          </p:cNvPr>
-          <p:cNvSpPr>
-            <a:spLocks noGrp="1"/>
-          </p:cNvSpPr>
-          <p:nvPr>
-            <p:ph type="title"/>
-          </p:nvPr>
-        </p:nvSpPr>
-        <p:spPr/>
-        <p:txBody>
-          <a:bodyPr/>
-          <a:lstStyle/>
-          <a:p>
-            <a:r>
-              <a:rPr lang="en-US" dirty="0"/>
-              <a:t>Implementation</a:t>
-            </a:r>
-          </a:p>
-        </p:txBody>
-      </p:sp>
-      <p:sp>
-        <p:nvSpPr>
-          <p:cNvPr id="3" name="Content Placeholder 2">
-            <a:extLst>
-              <a:ext uri="{FF2B5EF4-FFF2-40B4-BE49-F238E27FC236}">
-                <a16:creationId xmlns:a16="http://schemas.microsoft.com/office/drawing/2014/main" id="{72514B71-F0C4-4FDE-B547-5B4CD34034A8}"/>
-              </a:ext>
-            </a:extLst>
-          </p:cNvPr>
-          <p:cNvSpPr>
-            <a:spLocks noGrp="1"/>
-          </p:cNvSpPr>
-          <p:nvPr>
-            <p:ph idx="1"/>
-          </p:nvPr>
-        </p:nvSpPr>
-        <p:spPr>
-          <a:xfrm>
-            <a:off x="1530096" y="2430795"/>
-            <a:ext cx="9144000" cy="3127248"/>
-          </a:xfrm>
-        </p:spPr>
-        <p:txBody>
-          <a:bodyPr/>
-          <a:lstStyle/>
-          <a:p>
-            <a:r>
-              <a:rPr lang="en-US" dirty="0"/>
-              <a:t>We use Python to download and clean the data</a:t>
-            </a:r>
-          </a:p>
-          <a:p>
-            <a:r>
-              <a:rPr lang="en-US" dirty="0"/>
-              <a:t>C++ for main function process</a:t>
-            </a:r>
-          </a:p>
-          <a:p>
-            <a:r>
-              <a:rPr lang="en-US" dirty="0"/>
-              <a:t>Transform from PDF to TXT to JSON.</a:t>
-            </a:r>
-          </a:p>
-        </p:txBody>
-      </p:sp>
-      <p:pic>
-        <p:nvPicPr>
-          <p:cNvPr id="2050" name="Picture 2">
-            <a:extLst>
-              <a:ext uri="{FF2B5EF4-FFF2-40B4-BE49-F238E27FC236}">
-                <a16:creationId xmlns:a16="http://schemas.microsoft.com/office/drawing/2014/main" id="{E0A78320-DECB-49F3-BD4D-C1ABF34A6647}"/>
-              </a:ext>
-            </a:extLst>
-          </p:cNvPr>
-          <p:cNvPicPr>
-            <a:picLocks noChangeAspect="1" noChangeArrowheads="1"/>
-          </p:cNvPicPr>
-          <p:nvPr/>
-        </p:nvPicPr>
-        <p:blipFill>
-          <a:blip r:embed="rId2">
-            <a:extLst>
-              <a:ext uri="{28A0092B-C50C-407E-A947-70E740481C1C}">
-                <a14:useLocalDpi xmlns:a14="http://schemas.microsoft.com/office/drawing/2010/main" val="0"/>
-              </a:ext>
-            </a:extLst>
-          </a:blip>
-          <a:srcRect/>
-          <a:stretch>
-            <a:fillRect/>
-          </a:stretch>
-        </p:blipFill>
-        <p:spPr bwMode="auto">
-          <a:xfrm>
-            <a:off x="1341438" y="4457700"/>
-            <a:ext cx="1680411" cy="2063496"/>
-          </a:xfrm>
-          <a:prstGeom prst="rect">
-            <a:avLst/>
-          </a:prstGeom>
-          <a:noFill/>
-          <a:extLst>
-            <a:ext uri="{909E8E84-426E-40DD-AFC4-6F175D3DCCD1}">
-              <a14:hiddenFill xmlns:a14="http://schemas.microsoft.com/office/drawing/2010/main">
-                <a:solidFill>
-                  <a:srgbClr val="FFFFFF"/>
-                </a:solidFill>
-              </a14:hiddenFill>
-            </a:ext>
-          </a:extLst>
-        </p:spPr>
-      </p:pic>
-      <p:pic>
-        <p:nvPicPr>
-          <p:cNvPr id="2052" name="Picture 4" descr="Free Icon | Txt file">
-            <a:extLst>
-              <a:ext uri="{FF2B5EF4-FFF2-40B4-BE49-F238E27FC236}">
-                <a16:creationId xmlns:a16="http://schemas.microsoft.com/office/drawing/2014/main" id="{31330F54-F809-4CDD-B0DB-3B925CD7803C}"/>
-              </a:ext>
-            </a:extLst>
-          </p:cNvPr>
-          <p:cNvPicPr>
-            <a:picLocks noChangeAspect="1" noChangeArrowheads="1"/>
-          </p:cNvPicPr>
-          <p:nvPr/>
-        </p:nvPicPr>
-        <p:blipFill>
-          <a:blip r:embed="rId3">
-            <a:extLst>
-              <a:ext uri="{28A0092B-C50C-407E-A947-70E740481C1C}">
-                <a14:useLocalDpi xmlns:a14="http://schemas.microsoft.com/office/drawing/2010/main" val="0"/>
-              </a:ext>
-            </a:extLst>
-          </a:blip>
-          <a:srcRect/>
-          <a:stretch>
-            <a:fillRect/>
-          </a:stretch>
-        </p:blipFill>
-        <p:spPr bwMode="auto">
-          <a:xfrm>
-            <a:off x="4874133" y="4457699"/>
-            <a:ext cx="2063497" cy="2063497"/>
-          </a:xfrm>
-          <a:prstGeom prst="rect">
-            <a:avLst/>
-          </a:prstGeom>
-          <a:noFill/>
-          <a:extLst>
-            <a:ext uri="{909E8E84-426E-40DD-AFC4-6F175D3DCCD1}">
-              <a14:hiddenFill xmlns:a14="http://schemas.microsoft.com/office/drawing/2010/main">
-                <a:solidFill>
-                  <a:srgbClr val="FFFFFF"/>
-                </a:solidFill>
-              </a14:hiddenFill>
-            </a:ext>
-          </a:extLst>
-        </p:spPr>
-      </p:pic>
-      <p:pic>
-        <p:nvPicPr>
-          <p:cNvPr id="2054" name="Picture 6" descr="Coding, development, document, file, json, page, programming icon -  Download on Iconfinder">
-            <a:extLst>
-              <a:ext uri="{FF2B5EF4-FFF2-40B4-BE49-F238E27FC236}">
-                <a16:creationId xmlns:a16="http://schemas.microsoft.com/office/drawing/2014/main" id="{C844B83D-3D96-4449-BC3A-284A055F42DD}"/>
-              </a:ext>
-            </a:extLst>
-          </p:cNvPr>
-          <p:cNvPicPr>
-            <a:picLocks noChangeAspect="1" noChangeArrowheads="1"/>
-          </p:cNvPicPr>
-          <p:nvPr/>
-        </p:nvPicPr>
-        <p:blipFill>
-          <a:blip r:embed="rId4">
-            <a:extLst>
-              <a:ext uri="{28A0092B-C50C-407E-A947-70E740481C1C}">
-                <a14:useLocalDpi xmlns:a14="http://schemas.microsoft.com/office/drawing/2010/main" val="0"/>
-              </a:ext>
-            </a:extLst>
-          </a:blip>
-          <a:srcRect/>
-          <a:stretch>
-            <a:fillRect/>
-          </a:stretch>
-        </p:blipFill>
-        <p:spPr bwMode="auto">
-          <a:xfrm>
-            <a:off x="8211556" y="4320983"/>
-            <a:ext cx="2363661" cy="2363661"/>
-          </a:xfrm>
-          <a:prstGeom prst="rect">
-            <a:avLst/>
-          </a:prstGeom>
-          <a:noFill/>
-          <a:extLst>
-            <a:ext uri="{909E8E84-426E-40DD-AFC4-6F175D3DCCD1}">
-              <a14:hiddenFill xmlns:a14="http://schemas.microsoft.com/office/drawing/2010/main">
-                <a:solidFill>
-                  <a:srgbClr val="FFFFFF"/>
-                </a:solidFill>
-              </a14:hiddenFill>
-            </a:ext>
-          </a:extLst>
-        </p:spPr>
-      </p:pic>
-      <p:cxnSp>
-        <p:nvCxnSpPr>
-          <p:cNvPr id="5" name="Straight Arrow Connector 4">
-            <a:extLst>
-              <a:ext uri="{FF2B5EF4-FFF2-40B4-BE49-F238E27FC236}">
-                <a16:creationId xmlns:a16="http://schemas.microsoft.com/office/drawing/2014/main" id="{06A5B56C-F305-42CB-839F-C0E4D1C85AD9}"/>
-              </a:ext>
-            </a:extLst>
-          </p:cNvPr>
-          <p:cNvCxnSpPr>
-            <a:cxnSpLocks/>
-          </p:cNvCxnSpPr>
-          <p:nvPr/>
-        </p:nvCxnSpPr>
-        <p:spPr>
-          <a:xfrm>
-            <a:off x="3387228" y="5613273"/>
-            <a:ext cx="908547" cy="0"/>
-          </a:xfrm>
-          <a:prstGeom prst="straightConnector1">
-            <a:avLst/>
-          </a:prstGeom>
-          <a:ln w="63500">
-            <a:solidFill>
-              <a:schemeClr val="tx1"/>
-            </a:solidFill>
-            <a:tailEnd type="triangle"/>
-          </a:ln>
-        </p:spPr>
-        <p:style>
-          <a:lnRef idx="1">
-            <a:schemeClr val="accent1"/>
-          </a:lnRef>
-          <a:fillRef idx="0">
-            <a:schemeClr val="accent1"/>
-          </a:fillRef>
-          <a:effectRef idx="0">
-            <a:schemeClr val="accent1"/>
-          </a:effectRef>
-          <a:fontRef idx="minor">
-            <a:schemeClr val="tx1"/>
-          </a:fontRef>
-        </p:style>
-      </p:cxnSp>
-      <p:cxnSp>
-        <p:nvCxnSpPr>
-          <p:cNvPr id="12" name="Straight Arrow Connector 11">
-            <a:extLst>
-              <a:ext uri="{FF2B5EF4-FFF2-40B4-BE49-F238E27FC236}">
-                <a16:creationId xmlns:a16="http://schemas.microsoft.com/office/drawing/2014/main" id="{295EC188-6FC5-41E4-9B10-0DA5A7102E23}"/>
-              </a:ext>
-            </a:extLst>
-          </p:cNvPr>
-          <p:cNvCxnSpPr>
-            <a:cxnSpLocks/>
-          </p:cNvCxnSpPr>
-          <p:nvPr/>
-        </p:nvCxnSpPr>
-        <p:spPr>
-          <a:xfrm>
-            <a:off x="7225803" y="5613273"/>
-            <a:ext cx="908547" cy="0"/>
-          </a:xfrm>
-          <a:prstGeom prst="straightConnector1">
-            <a:avLst/>
-          </a:prstGeom>
-          <a:ln w="63500">
-            <a:solidFill>
-              <a:schemeClr val="tx1"/>
-            </a:solidFill>
-            <a:tailEnd type="triangle"/>
-          </a:ln>
-        </p:spPr>
-        <p:style>
-          <a:lnRef idx="1">
-            <a:schemeClr val="accent1"/>
-          </a:lnRef>
-          <a:fillRef idx="0">
-            <a:schemeClr val="accent1"/>
-          </a:fillRef>
-          <a:effectRef idx="0">
-            <a:schemeClr val="accent1"/>
-          </a:effectRef>
-          <a:fontRef idx="minor">
-            <a:schemeClr val="tx1"/>
-          </a:fontRef>
-        </p:style>
-      </p:cxnSp>
-      <p:sp>
-        <p:nvSpPr>
-          <p:cNvPr id="9" name="TextBox 8">
-            <a:extLst>
-              <a:ext uri="{FF2B5EF4-FFF2-40B4-BE49-F238E27FC236}">
-                <a16:creationId xmlns:a16="http://schemas.microsoft.com/office/drawing/2014/main" id="{50D0518B-15BC-4365-8340-BC416181CC44}"/>
-              </a:ext>
-            </a:extLst>
-          </p:cNvPr>
-          <p:cNvSpPr txBox="1"/>
-          <p:nvPr/>
-        </p:nvSpPr>
-        <p:spPr>
-          <a:xfrm>
-            <a:off x="3198315" y="4856482"/>
-            <a:ext cx="1486905" cy="646331"/>
-          </a:xfrm>
-          <a:prstGeom prst="rect">
-            <a:avLst/>
-          </a:prstGeom>
-          <a:noFill/>
-        </p:spPr>
-        <p:txBody>
-          <a:bodyPr wrap="square" rtlCol="0">
-            <a:spAutoFit/>
-          </a:bodyPr>
-          <a:lstStyle/>
-          <a:p>
-            <a:r>
-              <a:rPr lang="en-US" dirty="0"/>
-              <a:t>Python lib: </a:t>
-            </a:r>
-            <a:r>
-              <a:rPr lang="en-US" dirty="0" err="1"/>
-              <a:t>pdfplumber</a:t>
-            </a:r>
-            <a:endParaRPr lang="en-US" dirty="0"/>
-          </a:p>
-        </p:txBody>
-      </p:sp>
-      <p:sp>
-        <p:nvSpPr>
-          <p:cNvPr id="14" name="TextBox 13">
-            <a:extLst>
-              <a:ext uri="{FF2B5EF4-FFF2-40B4-BE49-F238E27FC236}">
-                <a16:creationId xmlns:a16="http://schemas.microsoft.com/office/drawing/2014/main" id="{42832B0B-EF7C-4A5C-8DEE-D30AC42E8F93}"/>
-              </a:ext>
-            </a:extLst>
-          </p:cNvPr>
-          <p:cNvSpPr txBox="1"/>
-          <p:nvPr/>
-        </p:nvSpPr>
-        <p:spPr>
-          <a:xfrm>
-            <a:off x="6909980" y="4804333"/>
-            <a:ext cx="1486905" cy="646331"/>
-          </a:xfrm>
-          <a:prstGeom prst="rect">
-            <a:avLst/>
-          </a:prstGeom>
-          <a:noFill/>
-        </p:spPr>
-        <p:txBody>
-          <a:bodyPr wrap="square" rtlCol="0">
-            <a:spAutoFit/>
-          </a:bodyPr>
-          <a:lstStyle/>
-          <a:p>
-            <a:r>
-              <a:rPr lang="en-US" dirty="0"/>
-              <a:t>Python lib: json</a:t>
-            </a:r>
-          </a:p>
-        </p:txBody>
-      </p:sp>
-    </p:spTree>
-    <p:extLst>
-      <p:ext uri="{BB962C8B-B14F-4D97-AF65-F5344CB8AC3E}">
-        <p14:creationId xmlns:p14="http://schemas.microsoft.com/office/powerpoint/2010/main" val="1088981818"/>
-      </p:ext>
-    </p:extLst>
-  </p:cSld>
-  <p:clrMapOvr>
-    <a:masterClrMapping/>
-  </p:clrMapOvr>
-</p:sld>
-</file>
-
-<file path=ppt/slides/slide13.xml><?xml version="1.0" encoding="utf-8"?>
-<p:sld xmlns:a="http://schemas.openxmlformats.org/drawingml/2006/main" xmlns:r="http://schemas.openxmlformats.org/officeDocument/2006/relationships" xmlns:p="http://schemas.openxmlformats.org/presentationml/2006/main">
-  <p:cSld>
-    <p:spTree>
-      <p:nvGrpSpPr>
-        <p:cNvPr id="1" name=""/>
-        <p:cNvGrpSpPr/>
-        <p:nvPr/>
-      </p:nvGrpSpPr>
-      <p:grpSpPr>
-        <a:xfrm>
-          <a:off x="0" y="0"/>
-          <a:ext cx="0" cy="0"/>
-          <a:chOff x="0" y="0"/>
-          <a:chExt cx="0" cy="0"/>
-        </a:xfrm>
-      </p:grpSpPr>
-      <p:sp>
-        <p:nvSpPr>
-          <p:cNvPr id="2" name="Title 1">
-            <a:extLst>
-              <a:ext uri="{FF2B5EF4-FFF2-40B4-BE49-F238E27FC236}">
-                <a16:creationId xmlns:a16="http://schemas.microsoft.com/office/drawing/2014/main" id="{9D0ABB39-1ED0-4DF9-8B52-931F6FBEED07}"/>
-              </a:ext>
-            </a:extLst>
-          </p:cNvPr>
-          <p:cNvSpPr>
-            <a:spLocks noGrp="1"/>
-          </p:cNvSpPr>
-          <p:nvPr>
-            <p:ph type="ctrTitle"/>
-          </p:nvPr>
-        </p:nvSpPr>
-        <p:spPr/>
-        <p:txBody>
-          <a:bodyPr/>
-          <a:lstStyle/>
-          <a:p>
-            <a:r>
-              <a:rPr lang="en-US" dirty="0"/>
-              <a:t>Thank you</a:t>
-            </a:r>
-          </a:p>
-        </p:txBody>
-      </p:sp>
-      <p:sp>
-        <p:nvSpPr>
-          <p:cNvPr id="3" name="Subtitle 2">
-            <a:extLst>
-              <a:ext uri="{FF2B5EF4-FFF2-40B4-BE49-F238E27FC236}">
-                <a16:creationId xmlns:a16="http://schemas.microsoft.com/office/drawing/2014/main" id="{8A6E2C4D-7B0E-4AB1-81C7-45CDA2528CBC}"/>
-              </a:ext>
-            </a:extLst>
-          </p:cNvPr>
-          <p:cNvSpPr>
-            <a:spLocks noGrp="1"/>
-          </p:cNvSpPr>
-          <p:nvPr>
-            <p:ph type="subTitle" idx="1"/>
-          </p:nvPr>
-        </p:nvSpPr>
-        <p:spPr/>
-        <p:txBody>
-          <a:bodyPr/>
-          <a:lstStyle/>
-          <a:p>
-            <a:r>
-              <a:rPr lang="en-US" dirty="0"/>
-              <a:t>COMP1011 Group 8</a:t>
-            </a:r>
-          </a:p>
-        </p:txBody>
-      </p:sp>
-    </p:spTree>
-    <p:extLst>
-      <p:ext uri="{BB962C8B-B14F-4D97-AF65-F5344CB8AC3E}">
-        <p14:creationId xmlns:p14="http://schemas.microsoft.com/office/powerpoint/2010/main" val="134481380"/>
-      </p:ext>
-    </p:extLst>
-  </p:cSld>
-  <p:clrMapOvr>
-    <a:masterClrMapping/>
-  </p:clrMapOvr>
-</p:sld>
-</file>
-
-<file path=ppt/slides/slide2.xml><?xml version="1.0" encoding="utf-8"?>
-<p:sld xmlns:a="http://schemas.openxmlformats.org/drawingml/2006/main" xmlns:r="http://schemas.openxmlformats.org/officeDocument/2006/relationships" xmlns:p="http://schemas.openxmlformats.org/presentationml/2006/main">
-  <p:cSld>
-    <p:spTree>
-      <p:nvGrpSpPr>
-        <p:cNvPr id="1" name=""/>
-        <p:cNvGrpSpPr/>
-        <p:nvPr/>
-      </p:nvGrpSpPr>
-      <p:grpSpPr>
-        <a:xfrm>
-          <a:off x="0" y="0"/>
-          <a:ext cx="0" cy="0"/>
-          <a:chOff x="0" y="0"/>
-          <a:chExt cx="0" cy="0"/>
-        </a:xfrm>
-      </p:grpSpPr>
-      <p:sp>
-        <p:nvSpPr>
-          <p:cNvPr id="2" name="Title 1">
-            <a:extLst>
-              <a:ext uri="{FF2B5EF4-FFF2-40B4-BE49-F238E27FC236}">
-                <a16:creationId xmlns:a16="http://schemas.microsoft.com/office/drawing/2014/main" id="{466953E7-64BB-4E79-B5A2-A3975DCECAE1}"/>
-              </a:ext>
-            </a:extLst>
-          </p:cNvPr>
-          <p:cNvSpPr>
-            <a:spLocks noGrp="1"/>
-          </p:cNvSpPr>
-          <p:nvPr>
-            <p:ph type="title"/>
-          </p:nvPr>
-        </p:nvSpPr>
-        <p:spPr/>
-        <p:txBody>
-          <a:bodyPr/>
-          <a:lstStyle/>
-          <a:p>
-            <a:r>
-              <a:rPr lang="en-US" dirty="0"/>
-              <a:t>Introduction</a:t>
-            </a:r>
-          </a:p>
-        </p:txBody>
-      </p:sp>
-      <p:sp>
-        <p:nvSpPr>
-          <p:cNvPr id="3" name="Content Placeholder 2">
-            <a:extLst>
-              <a:ext uri="{FF2B5EF4-FFF2-40B4-BE49-F238E27FC236}">
-                <a16:creationId xmlns:a16="http://schemas.microsoft.com/office/drawing/2014/main" id="{D959695B-A3FC-4590-84FC-7637C223F8BF}"/>
-              </a:ext>
-            </a:extLst>
-          </p:cNvPr>
-          <p:cNvSpPr>
-            <a:spLocks noGrp="1"/>
-          </p:cNvSpPr>
-          <p:nvPr>
-            <p:ph idx="1"/>
-          </p:nvPr>
-        </p:nvSpPr>
-        <p:spPr/>
-        <p:txBody>
-          <a:bodyPr/>
-          <a:lstStyle/>
-          <a:p>
-            <a:r>
-              <a:rPr lang="en-US" dirty="0"/>
-              <a:t>A search engine to search information on COMP subjects</a:t>
-            </a:r>
-          </a:p>
-        </p:txBody>
-      </p:sp>
-      <p:pic>
-        <p:nvPicPr>
-          <p:cNvPr id="5" name="Picture 4">
-            <a:extLst>
-              <a:ext uri="{FF2B5EF4-FFF2-40B4-BE49-F238E27FC236}">
-                <a16:creationId xmlns:a16="http://schemas.microsoft.com/office/drawing/2014/main" id="{24DA061C-4047-4322-9BDE-931CE462F762}"/>
-              </a:ext>
-            </a:extLst>
-          </p:cNvPr>
-          <p:cNvPicPr>
-            <a:picLocks noChangeAspect="1"/>
-          </p:cNvPicPr>
-          <p:nvPr/>
-        </p:nvPicPr>
-        <p:blipFill rotWithShape="1">
-          <a:blip r:embed="rId2"/>
-          <a:srcRect l="17187" t="48935" r="19062" b="19584"/>
-          <a:stretch/>
-        </p:blipFill>
-        <p:spPr>
-          <a:xfrm>
-            <a:off x="1428750" y="3551301"/>
-            <a:ext cx="9566910" cy="2657475"/>
-          </a:xfrm>
-          <a:prstGeom prst="rect">
-            <a:avLst/>
-          </a:prstGeom>
-        </p:spPr>
-      </p:pic>
-    </p:spTree>
-    <p:extLst>
-      <p:ext uri="{BB962C8B-B14F-4D97-AF65-F5344CB8AC3E}">
-        <p14:creationId xmlns:p14="http://schemas.microsoft.com/office/powerpoint/2010/main" val="2212673990"/>
-      </p:ext>
-    </p:extLst>
-  </p:cSld>
-  <p:clrMapOvr>
-    <a:masterClrMapping/>
-  </p:clrMapOvr>
-</p:sld>
-</file>
-
-<file path=ppt/slides/slide3.xml><?xml version="1.0" encoding="utf-8"?>
-<p:sld xmlns:a="http://schemas.openxmlformats.org/drawingml/2006/main" xmlns:r="http://schemas.openxmlformats.org/officeDocument/2006/relationships" xmlns:p="http://schemas.openxmlformats.org/presentationml/2006/main">
-  <p:cSld>
-    <p:spTree>
-      <p:nvGrpSpPr>
-        <p:cNvPr id="1" name=""/>
-        <p:cNvGrpSpPr/>
-        <p:nvPr/>
-      </p:nvGrpSpPr>
-      <p:grpSpPr>
-        <a:xfrm>
-          <a:off x="0" y="0"/>
-          <a:ext cx="0" cy="0"/>
-          <a:chOff x="0" y="0"/>
-          <a:chExt cx="0" cy="0"/>
-        </a:xfrm>
-      </p:grpSpPr>
-      <p:sp>
-        <p:nvSpPr>
-          <p:cNvPr id="2" name="Title 1">
-            <a:extLst>
-              <a:ext uri="{FF2B5EF4-FFF2-40B4-BE49-F238E27FC236}">
-                <a16:creationId xmlns:a16="http://schemas.microsoft.com/office/drawing/2014/main" id="{354FDF1B-262F-45A3-BDB9-2445ABA76772}"/>
-              </a:ext>
-            </a:extLst>
-          </p:cNvPr>
-          <p:cNvSpPr>
-            <a:spLocks noGrp="1"/>
-          </p:cNvSpPr>
-          <p:nvPr>
-            <p:ph type="title"/>
-          </p:nvPr>
-        </p:nvSpPr>
-        <p:spPr/>
-        <p:txBody>
-          <a:bodyPr/>
-          <a:lstStyle/>
-          <a:p>
-            <a:r>
-              <a:rPr lang="en-US" dirty="0"/>
-              <a:t>Introduction</a:t>
-            </a:r>
-          </a:p>
-        </p:txBody>
-      </p:sp>
-      <p:sp>
-        <p:nvSpPr>
-          <p:cNvPr id="3" name="Content Placeholder 2">
-            <a:extLst>
-              <a:ext uri="{FF2B5EF4-FFF2-40B4-BE49-F238E27FC236}">
-                <a16:creationId xmlns:a16="http://schemas.microsoft.com/office/drawing/2014/main" id="{3EE96C45-6BC9-4F9C-BF15-5C12ED983314}"/>
-              </a:ext>
-            </a:extLst>
-          </p:cNvPr>
-          <p:cNvSpPr>
-            <a:spLocks noGrp="1"/>
-          </p:cNvSpPr>
-          <p:nvPr>
-            <p:ph idx="1"/>
-          </p:nvPr>
-        </p:nvSpPr>
-        <p:spPr>
-          <a:xfrm>
-            <a:off x="1517904" y="2654710"/>
-            <a:ext cx="9144000" cy="3444338"/>
-          </a:xfrm>
-        </p:spPr>
-        <p:txBody>
-          <a:bodyPr>
-            <a:normAutofit/>
-          </a:bodyPr>
-          <a:lstStyle/>
-          <a:p>
-            <a:r>
-              <a:rPr lang="en-US" dirty="0"/>
-              <a:t>Fulfill project requirements</a:t>
-            </a:r>
-          </a:p>
-          <a:p>
-            <a:r>
-              <a:rPr lang="en-US" dirty="0"/>
-              <a:t>Have more advanced features</a:t>
-            </a:r>
-          </a:p>
-          <a:p>
-            <a:endParaRPr lang="en-US" dirty="0"/>
-          </a:p>
-          <a:p>
-            <a:r>
-              <a:rPr lang="en-US" dirty="0"/>
-              <a:t>Search in all content</a:t>
-            </a:r>
-          </a:p>
-          <a:p>
-            <a:r>
-              <a:rPr lang="en-US" dirty="0"/>
-              <a:t>User interaction for detail</a:t>
-            </a:r>
-          </a:p>
-          <a:p>
-            <a:r>
-              <a:rPr lang="en-US" dirty="0"/>
-              <a:t>Description form download</a:t>
-            </a:r>
-          </a:p>
-        </p:txBody>
-      </p:sp>
-    </p:spTree>
-    <p:extLst>
-      <p:ext uri="{BB962C8B-B14F-4D97-AF65-F5344CB8AC3E}">
-        <p14:creationId xmlns:p14="http://schemas.microsoft.com/office/powerpoint/2010/main" val="2979341434"/>
-      </p:ext>
-    </p:extLst>
-  </p:cSld>
-  <p:clrMapOvr>
-    <a:masterClrMapping/>
-  </p:clrMapOvr>
-</p:sld>
-</file>
-
-<file path=ppt/slides/slide4.xml><?xml version="1.0" encoding="utf-8"?>
-<p:sld xmlns:a="http://schemas.openxmlformats.org/drawingml/2006/main" xmlns:r="http://schemas.openxmlformats.org/officeDocument/2006/relationships" xmlns:p="http://schemas.openxmlformats.org/presentationml/2006/main">
-  <p:cSld>
-    <p:spTree>
-      <p:nvGrpSpPr>
-        <p:cNvPr id="1" name=""/>
-        <p:cNvGrpSpPr/>
-        <p:nvPr/>
-      </p:nvGrpSpPr>
-      <p:grpSpPr>
-        <a:xfrm>
-          <a:off x="0" y="0"/>
-          <a:ext cx="0" cy="0"/>
-          <a:chOff x="0" y="0"/>
-          <a:chExt cx="0" cy="0"/>
-        </a:xfrm>
-      </p:grpSpPr>
-      <p:sp>
-        <p:nvSpPr>
-          <p:cNvPr id="2" name="Title 1">
-            <a:extLst>
-              <a:ext uri="{FF2B5EF4-FFF2-40B4-BE49-F238E27FC236}">
-                <a16:creationId xmlns:a16="http://schemas.microsoft.com/office/drawing/2014/main" id="{F4C9A7BA-6AD6-4736-871F-14AA51631CC7}"/>
-              </a:ext>
-            </a:extLst>
-          </p:cNvPr>
-          <p:cNvSpPr>
-            <a:spLocks noGrp="1"/>
-          </p:cNvSpPr>
-          <p:nvPr>
-            <p:ph type="title"/>
-          </p:nvPr>
-        </p:nvSpPr>
-        <p:spPr/>
-        <p:txBody>
-          <a:bodyPr/>
-          <a:lstStyle/>
-          <a:p>
-            <a:r>
-              <a:rPr lang="en-US" dirty="0"/>
-              <a:t>User Instructions</a:t>
-            </a:r>
-          </a:p>
-        </p:txBody>
-      </p:sp>
-      <p:sp>
-        <p:nvSpPr>
-          <p:cNvPr id="3" name="Content Placeholder 2">
-            <a:extLst>
-              <a:ext uri="{FF2B5EF4-FFF2-40B4-BE49-F238E27FC236}">
-                <a16:creationId xmlns:a16="http://schemas.microsoft.com/office/drawing/2014/main" id="{1E7D007B-A7C7-4BC9-B168-1753A36BD2CD}"/>
-              </a:ext>
-            </a:extLst>
-          </p:cNvPr>
-          <p:cNvSpPr>
-            <a:spLocks noGrp="1"/>
-          </p:cNvSpPr>
-          <p:nvPr>
-            <p:ph idx="1"/>
-          </p:nvPr>
-        </p:nvSpPr>
-        <p:spPr/>
-        <p:txBody>
-          <a:bodyPr/>
-          <a:lstStyle/>
-          <a:p>
-            <a:r>
-              <a:rPr lang="en-US" b="1" dirty="0"/>
-              <a:t>A user-friendly program.</a:t>
-            </a:r>
-          </a:p>
-          <a:p>
-            <a:endParaRPr lang="en-US" b="1" dirty="0"/>
-          </a:p>
-          <a:p>
-            <a:r>
-              <a:rPr lang="en-US" dirty="0"/>
-              <a:t>1. Type keywords</a:t>
-            </a:r>
-          </a:p>
-          <a:p>
-            <a:r>
-              <a:rPr lang="en-US" dirty="0"/>
-              <a:t>2. View the result</a:t>
-            </a:r>
-          </a:p>
-          <a:p>
-            <a:r>
-              <a:rPr lang="en-US" dirty="0"/>
-              <a:t>3. Select and view details</a:t>
-            </a:r>
-          </a:p>
-        </p:txBody>
-      </p:sp>
-    </p:spTree>
-    <p:extLst>
-      <p:ext uri="{BB962C8B-B14F-4D97-AF65-F5344CB8AC3E}">
-        <p14:creationId xmlns:p14="http://schemas.microsoft.com/office/powerpoint/2010/main" val="1856230245"/>
-      </p:ext>
-    </p:extLst>
-  </p:cSld>
-  <p:clrMapOvr>
-    <a:masterClrMapping/>
-  </p:clrMapOvr>
-</p:sld>
-</file>
-
-<file path=ppt/slides/slide5.xml><?xml version="1.0" encoding="utf-8"?>
-<p:sld xmlns:a="http://schemas.openxmlformats.org/drawingml/2006/main" xmlns:r="http://schemas.openxmlformats.org/officeDocument/2006/relationships" xmlns:p="http://schemas.openxmlformats.org/presentationml/2006/main">
-  <p:cSld>
-    <p:spTree>
-      <p:nvGrpSpPr>
-        <p:cNvPr id="1" name=""/>
-        <p:cNvGrpSpPr/>
-        <p:nvPr/>
-      </p:nvGrpSpPr>
-      <p:grpSpPr>
-        <a:xfrm>
-          <a:off x="0" y="0"/>
-          <a:ext cx="0" cy="0"/>
-          <a:chOff x="0" y="0"/>
-          <a:chExt cx="0" cy="0"/>
-        </a:xfrm>
-      </p:grpSpPr>
-      <p:sp>
-        <p:nvSpPr>
-          <p:cNvPr id="2" name="Title 1">
-            <a:extLst>
-              <a:ext uri="{FF2B5EF4-FFF2-40B4-BE49-F238E27FC236}">
-                <a16:creationId xmlns:a16="http://schemas.microsoft.com/office/drawing/2014/main" id="{9AB13353-4B2B-4C14-B140-1C5DBA9E688D}"/>
-              </a:ext>
-            </a:extLst>
-          </p:cNvPr>
-          <p:cNvSpPr>
-            <a:spLocks noGrp="1"/>
-          </p:cNvSpPr>
-          <p:nvPr>
-            <p:ph type="title"/>
-          </p:nvPr>
-        </p:nvSpPr>
-        <p:spPr/>
-        <p:txBody>
-          <a:bodyPr/>
-          <a:lstStyle/>
-          <a:p>
-            <a:r>
-              <a:rPr lang="en-US" dirty="0"/>
-              <a:t>Algorithm</a:t>
-            </a:r>
-          </a:p>
-        </p:txBody>
-      </p:sp>
-      <p:sp>
-        <p:nvSpPr>
-          <p:cNvPr id="3" name="Content Placeholder 2">
-            <a:extLst>
-              <a:ext uri="{FF2B5EF4-FFF2-40B4-BE49-F238E27FC236}">
-                <a16:creationId xmlns:a16="http://schemas.microsoft.com/office/drawing/2014/main" id="{950317A4-5377-49AF-9C2B-00897875C794}"/>
-              </a:ext>
-            </a:extLst>
-          </p:cNvPr>
-          <p:cNvSpPr>
-            <a:spLocks noGrp="1"/>
-          </p:cNvSpPr>
-          <p:nvPr>
-            <p:ph idx="1"/>
-          </p:nvPr>
-        </p:nvSpPr>
-        <p:spPr/>
-        <p:txBody>
-          <a:bodyPr>
-            <a:normAutofit/>
-          </a:bodyPr>
-          <a:lstStyle/>
-          <a:p>
-            <a:r>
-              <a:rPr lang="en-US" altLang="zh-CN" b="1" dirty="0"/>
-              <a:t>Speed</a:t>
-            </a:r>
-            <a:r>
-              <a:rPr lang="en-US" altLang="zh-CN" dirty="0"/>
-              <a:t> is the most important</a:t>
-            </a:r>
-          </a:p>
-          <a:p>
-            <a:endParaRPr lang="en-US" altLang="zh-CN" dirty="0"/>
-          </a:p>
-          <a:p>
-            <a:r>
-              <a:rPr lang="en-US" altLang="zh-CN" dirty="0"/>
-              <a:t>We refer to the algorithm of Elastic Search</a:t>
-            </a:r>
-            <a:endParaRPr lang="en-US" dirty="0"/>
-          </a:p>
-          <a:p>
-            <a:r>
-              <a:rPr lang="en-US" dirty="0"/>
-              <a:t>We improved the search method for our needs</a:t>
-            </a:r>
-          </a:p>
-          <a:p>
-            <a:r>
-              <a:rPr lang="en-US" dirty="0"/>
-              <a:t>We use “reverse index” for sorting.</a:t>
-            </a:r>
-          </a:p>
-          <a:p>
-            <a:pPr marL="0" indent="0">
-              <a:buNone/>
-            </a:pPr>
-            <a:endParaRPr lang="en-US" dirty="0"/>
-          </a:p>
-        </p:txBody>
-      </p:sp>
-      <p:pic>
-        <p:nvPicPr>
-          <p:cNvPr id="1026" name="Picture 2" descr="Getting up and running a basic managed Alibaba Cloud ElasticSearch »  Alberto Roura's Blog">
-            <a:extLst>
-              <a:ext uri="{FF2B5EF4-FFF2-40B4-BE49-F238E27FC236}">
-                <a16:creationId xmlns:a16="http://schemas.microsoft.com/office/drawing/2014/main" id="{272AAF13-B8FE-477B-A26F-3B0A444ECBD1}"/>
-              </a:ext>
-            </a:extLst>
-          </p:cNvPr>
-          <p:cNvPicPr>
-            <a:picLocks noChangeAspect="1" noChangeArrowheads="1"/>
-          </p:cNvPicPr>
-          <p:nvPr/>
-        </p:nvPicPr>
-        <p:blipFill>
-          <a:blip r:embed="rId2">
-            <a:extLst>
-              <a:ext uri="{28A0092B-C50C-407E-A947-70E740481C1C}">
-                <a14:useLocalDpi xmlns:a14="http://schemas.microsoft.com/office/drawing/2010/main" val="0"/>
-              </a:ext>
-            </a:extLst>
-          </a:blip>
-          <a:srcRect/>
-          <a:stretch>
-            <a:fillRect/>
-          </a:stretch>
-        </p:blipFill>
-        <p:spPr bwMode="auto">
-          <a:xfrm>
-            <a:off x="6473963" y="1089610"/>
-            <a:ext cx="5342875" cy="2780661"/>
-          </a:xfrm>
-          <a:prstGeom prst="rect">
-            <a:avLst/>
-          </a:prstGeom>
-          <a:noFill/>
-          <a:extLst>
-            <a:ext uri="{909E8E84-426E-40DD-AFC4-6F175D3DCCD1}">
-              <a14:hiddenFill xmlns:a14="http://schemas.microsoft.com/office/drawing/2010/main">
-                <a:solidFill>
-                  <a:srgbClr val="FFFFFF"/>
-                </a:solidFill>
-              </a14:hiddenFill>
-            </a:ext>
-          </a:extLst>
-        </p:spPr>
-      </p:pic>
-    </p:spTree>
-    <p:extLst>
-      <p:ext uri="{BB962C8B-B14F-4D97-AF65-F5344CB8AC3E}">
-        <p14:creationId xmlns:p14="http://schemas.microsoft.com/office/powerpoint/2010/main" val="1108432234"/>
-      </p:ext>
-    </p:extLst>
-  </p:cSld>
-  <p:clrMapOvr>
-    <a:masterClrMapping/>
-  </p:clrMapOvr>
-</p:sld>
-</file>
-
-<file path=ppt/slides/slide6.xml><?xml version="1.0" encoding="utf-8"?>
-<p:sld xmlns:a="http://schemas.openxmlformats.org/drawingml/2006/main" xmlns:r="http://schemas.openxmlformats.org/officeDocument/2006/relationships" xmlns:p="http://schemas.openxmlformats.org/presentationml/2006/main">
-  <p:cSld>
-    <p:spTree>
-      <p:nvGrpSpPr>
-        <p:cNvPr id="1" name=""/>
-        <p:cNvGrpSpPr/>
-        <p:nvPr/>
-      </p:nvGrpSpPr>
-      <p:grpSpPr>
-        <a:xfrm>
-          <a:off x="0" y="0"/>
-          <a:ext cx="0" cy="0"/>
-          <a:chOff x="0" y="0"/>
-          <a:chExt cx="0" cy="0"/>
-        </a:xfrm>
-      </p:grpSpPr>
-      <p:sp>
-        <p:nvSpPr>
-          <p:cNvPr id="2" name="Title 1">
-            <a:extLst>
-              <a:ext uri="{FF2B5EF4-FFF2-40B4-BE49-F238E27FC236}">
-                <a16:creationId xmlns:a16="http://schemas.microsoft.com/office/drawing/2014/main" id="{5530E001-A8DB-4954-A6B9-B34ED26C88B0}"/>
-              </a:ext>
-            </a:extLst>
-          </p:cNvPr>
-          <p:cNvSpPr>
-            <a:spLocks noGrp="1"/>
-          </p:cNvSpPr>
-          <p:nvPr>
-            <p:ph type="title"/>
-          </p:nvPr>
-        </p:nvSpPr>
-        <p:spPr/>
-        <p:txBody>
-          <a:bodyPr/>
-          <a:lstStyle/>
-          <a:p>
-            <a:r>
-              <a:rPr lang="en-US" dirty="0"/>
-              <a:t>Algorithm</a:t>
-            </a:r>
-          </a:p>
-        </p:txBody>
-      </p:sp>
-      <p:sp>
-        <p:nvSpPr>
-          <p:cNvPr id="3" name="Content Placeholder 2">
-            <a:extLst>
-              <a:ext uri="{FF2B5EF4-FFF2-40B4-BE49-F238E27FC236}">
-                <a16:creationId xmlns:a16="http://schemas.microsoft.com/office/drawing/2014/main" id="{E87D1561-59DB-4C96-AAD6-5C37D7BF44EC}"/>
-              </a:ext>
-            </a:extLst>
-          </p:cNvPr>
-          <p:cNvSpPr>
-            <a:spLocks noGrp="1"/>
-          </p:cNvSpPr>
-          <p:nvPr>
-            <p:ph idx="1"/>
-          </p:nvPr>
-        </p:nvSpPr>
-        <p:spPr/>
-        <p:txBody>
-          <a:bodyPr/>
-          <a:lstStyle/>
-          <a:p>
-            <a:r>
-              <a:rPr lang="en-US" dirty="0"/>
-              <a:t>Know subject code</a:t>
-            </a:r>
-          </a:p>
-          <a:p>
-            <a:pPr lvl="1"/>
-            <a:r>
-              <a:rPr lang="en-US" dirty="0"/>
-              <a:t>Type subject code directly</a:t>
-            </a:r>
-          </a:p>
-          <a:p>
-            <a:r>
-              <a:rPr lang="en-US" dirty="0"/>
-              <a:t>Don’t know subject code</a:t>
-            </a:r>
-          </a:p>
-          <a:p>
-            <a:pPr lvl="1"/>
-            <a:r>
-              <a:rPr lang="en-US" dirty="0"/>
-              <a:t>Type keywords and we will find for you</a:t>
-            </a:r>
-          </a:p>
-          <a:p>
-            <a:pPr lvl="1"/>
-            <a:endParaRPr lang="en-US" dirty="0"/>
-          </a:p>
-        </p:txBody>
-      </p:sp>
-    </p:spTree>
-    <p:extLst>
-      <p:ext uri="{BB962C8B-B14F-4D97-AF65-F5344CB8AC3E}">
-        <p14:creationId xmlns:p14="http://schemas.microsoft.com/office/powerpoint/2010/main" val="3487136658"/>
-      </p:ext>
-    </p:extLst>
-  </p:cSld>
-  <p:clrMapOvr>
-    <a:masterClrMapping/>
-  </p:clrMapOvr>
-</p:sld>
-</file>
-
-<file path=ppt/slides/slide7.xml><?xml version="1.0" encoding="utf-8"?>
-<p:sld xmlns:a="http://schemas.openxmlformats.org/drawingml/2006/main" xmlns:r="http://schemas.openxmlformats.org/officeDocument/2006/relationships" xmlns:p="http://schemas.openxmlformats.org/presentationml/2006/main">
-  <p:cSld>
-    <p:spTree>
-      <p:nvGrpSpPr>
-        <p:cNvPr id="1" name=""/>
-        <p:cNvGrpSpPr/>
-        <p:nvPr/>
-      </p:nvGrpSpPr>
-      <p:grpSpPr>
-        <a:xfrm>
-          <a:off x="0" y="0"/>
-          <a:ext cx="0" cy="0"/>
-          <a:chOff x="0" y="0"/>
-          <a:chExt cx="0" cy="0"/>
-        </a:xfrm>
-      </p:grpSpPr>
-      <p:sp>
-        <p:nvSpPr>
-          <p:cNvPr id="2" name="Title 1">
-            <a:extLst>
-              <a:ext uri="{FF2B5EF4-FFF2-40B4-BE49-F238E27FC236}">
-                <a16:creationId xmlns:a16="http://schemas.microsoft.com/office/drawing/2014/main" id="{5530E001-A8DB-4954-A6B9-B34ED26C88B0}"/>
-              </a:ext>
-            </a:extLst>
-          </p:cNvPr>
-          <p:cNvSpPr>
-            <a:spLocks noGrp="1"/>
-          </p:cNvSpPr>
-          <p:nvPr>
-            <p:ph type="title"/>
-          </p:nvPr>
-        </p:nvSpPr>
-        <p:spPr/>
-        <p:txBody>
-          <a:bodyPr/>
-          <a:lstStyle/>
-          <a:p>
-            <a:r>
-              <a:rPr lang="en-US" dirty="0"/>
-              <a:t>Algorithm</a:t>
-            </a:r>
-          </a:p>
-        </p:txBody>
-      </p:sp>
-      <p:sp>
-        <p:nvSpPr>
-          <p:cNvPr id="3" name="Content Placeholder 2">
-            <a:extLst>
-              <a:ext uri="{FF2B5EF4-FFF2-40B4-BE49-F238E27FC236}">
-                <a16:creationId xmlns:a16="http://schemas.microsoft.com/office/drawing/2014/main" id="{E87D1561-59DB-4C96-AAD6-5C37D7BF44EC}"/>
-              </a:ext>
-            </a:extLst>
-          </p:cNvPr>
-          <p:cNvSpPr>
-            <a:spLocks noGrp="1"/>
-          </p:cNvSpPr>
-          <p:nvPr>
-            <p:ph idx="1"/>
-          </p:nvPr>
-        </p:nvSpPr>
-        <p:spPr/>
-        <p:txBody>
-          <a:bodyPr/>
-          <a:lstStyle/>
-          <a:p>
-            <a:r>
-              <a:rPr lang="en-US" dirty="0"/>
-              <a:t>Use black-red tree to translate word to word ID</a:t>
-            </a:r>
-          </a:p>
-        </p:txBody>
-      </p:sp>
-      <p:pic>
-        <p:nvPicPr>
-          <p:cNvPr id="1026" name="Picture 2" descr="Red–black tree - Wikipedia">
-            <a:extLst>
-              <a:ext uri="{FF2B5EF4-FFF2-40B4-BE49-F238E27FC236}">
-                <a16:creationId xmlns:a16="http://schemas.microsoft.com/office/drawing/2014/main" id="{58049C4A-4B99-4005-8B38-1943D2BBB3BF}"/>
-              </a:ext>
-            </a:extLst>
-          </p:cNvPr>
-          <p:cNvPicPr>
-            <a:picLocks noChangeAspect="1" noChangeArrowheads="1"/>
-          </p:cNvPicPr>
-          <p:nvPr/>
-        </p:nvPicPr>
-        <p:blipFill>
-          <a:blip r:embed="rId2">
-            <a:extLst>
-              <a:ext uri="{28A0092B-C50C-407E-A947-70E740481C1C}">
-                <a14:useLocalDpi xmlns:a14="http://schemas.microsoft.com/office/drawing/2010/main" val="0"/>
-              </a:ext>
-            </a:extLst>
-          </a:blip>
-          <a:srcRect/>
-          <a:stretch>
-            <a:fillRect/>
-          </a:stretch>
-        </p:blipFill>
-        <p:spPr bwMode="auto">
-          <a:xfrm>
-            <a:off x="2821243" y="3602056"/>
-            <a:ext cx="6287966" cy="2606720"/>
-          </a:xfrm>
-          <a:prstGeom prst="rect">
-            <a:avLst/>
-          </a:prstGeom>
-          <a:noFill/>
-          <a:extLst>
-            <a:ext uri="{909E8E84-426E-40DD-AFC4-6F175D3DCCD1}">
-              <a14:hiddenFill xmlns:a14="http://schemas.microsoft.com/office/drawing/2010/main">
-                <a:solidFill>
-                  <a:srgbClr val="FFFFFF"/>
-                </a:solidFill>
-              </a14:hiddenFill>
-            </a:ext>
-          </a:extLst>
-        </p:spPr>
-      </p:pic>
-    </p:spTree>
-    <p:extLst>
-      <p:ext uri="{BB962C8B-B14F-4D97-AF65-F5344CB8AC3E}">
-        <p14:creationId xmlns:p14="http://schemas.microsoft.com/office/powerpoint/2010/main" val="1557068927"/>
-      </p:ext>
-    </p:extLst>
-  </p:cSld>
-  <p:clrMapOvr>
-    <a:masterClrMapping/>
-  </p:clrMapOvr>
-</p:sld>
-</file>
-
-<file path=ppt/slides/slide8.xml><?xml version="1.0" encoding="utf-8"?>
-<p:sld xmlns:a="http://schemas.openxmlformats.org/drawingml/2006/main" xmlns:r="http://schemas.openxmlformats.org/officeDocument/2006/relationships" xmlns:p="http://schemas.openxmlformats.org/presentationml/2006/main">
-  <p:cSld>
-    <p:spTree>
-      <p:nvGrpSpPr>
-        <p:cNvPr id="1" name=""/>
-        <p:cNvGrpSpPr/>
-        <p:nvPr/>
-      </p:nvGrpSpPr>
-      <p:grpSpPr>
-        <a:xfrm>
-          <a:off x="0" y="0"/>
-          <a:ext cx="0" cy="0"/>
-          <a:chOff x="0" y="0"/>
-          <a:chExt cx="0" cy="0"/>
-        </a:xfrm>
-      </p:grpSpPr>
-      <p:sp>
-        <p:nvSpPr>
-          <p:cNvPr id="2" name="Title 1">
-            <a:extLst>
-              <a:ext uri="{FF2B5EF4-FFF2-40B4-BE49-F238E27FC236}">
-                <a16:creationId xmlns:a16="http://schemas.microsoft.com/office/drawing/2014/main" id="{5530E001-A8DB-4954-A6B9-B34ED26C88B0}"/>
-              </a:ext>
-            </a:extLst>
-          </p:cNvPr>
-          <p:cNvSpPr>
-            <a:spLocks noGrp="1"/>
-          </p:cNvSpPr>
-          <p:nvPr>
-            <p:ph type="title"/>
-          </p:nvPr>
-        </p:nvSpPr>
-        <p:spPr/>
-        <p:txBody>
-          <a:bodyPr/>
-          <a:lstStyle/>
-          <a:p>
-            <a:r>
-              <a:rPr lang="en-US" dirty="0"/>
-              <a:t>Algorithm</a:t>
-            </a:r>
-          </a:p>
-        </p:txBody>
-      </p:sp>
-      <p:sp>
-        <p:nvSpPr>
-          <p:cNvPr id="3" name="Content Placeholder 2">
-            <a:extLst>
-              <a:ext uri="{FF2B5EF4-FFF2-40B4-BE49-F238E27FC236}">
-                <a16:creationId xmlns:a16="http://schemas.microsoft.com/office/drawing/2014/main" id="{E87D1561-59DB-4C96-AAD6-5C37D7BF44EC}"/>
-              </a:ext>
-            </a:extLst>
-          </p:cNvPr>
-          <p:cNvSpPr>
-            <a:spLocks noGrp="1"/>
-          </p:cNvSpPr>
-          <p:nvPr>
-            <p:ph idx="1"/>
-          </p:nvPr>
-        </p:nvSpPr>
-        <p:spPr/>
-        <p:txBody>
-          <a:bodyPr/>
-          <a:lstStyle/>
-          <a:p>
-            <a:r>
-              <a:rPr lang="en-US" dirty="0"/>
-              <a:t>Search which subjects contain which IDs</a:t>
-            </a:r>
-          </a:p>
-          <a:p>
-            <a:r>
-              <a:rPr lang="en-US" dirty="0"/>
-              <a:t>Find how many times the word appeared</a:t>
-            </a:r>
-          </a:p>
-          <a:p>
-            <a:r>
-              <a:rPr lang="en-US" dirty="0"/>
-              <a:t>Calculate relative index</a:t>
-            </a:r>
-          </a:p>
-          <a:p>
-            <a:r>
-              <a:rPr lang="en-US" dirty="0"/>
-              <a:t>Display from the most related to the least</a:t>
-            </a:r>
-          </a:p>
-        </p:txBody>
-      </p:sp>
-    </p:spTree>
-    <p:extLst>
-      <p:ext uri="{BB962C8B-B14F-4D97-AF65-F5344CB8AC3E}">
-        <p14:creationId xmlns:p14="http://schemas.microsoft.com/office/powerpoint/2010/main" val="1891031805"/>
-      </p:ext>
-    </p:extLst>
-  </p:cSld>
-  <p:clrMapOvr>
-    <a:masterClrMapping/>
-  </p:clrMapOvr>
-</p:sld>
-</file>
-
-<file path=ppt/slides/slide9.xml><?xml version="1.0" encoding="utf-8"?>
-<p:sld xmlns:a="http://schemas.openxmlformats.org/drawingml/2006/main" xmlns:r="http://schemas.openxmlformats.org/officeDocument/2006/relationships" xmlns:p="http://schemas.openxmlformats.org/presentationml/2006/main">
-  <p:cSld>
-    <p:spTree>
-      <p:nvGrpSpPr>
-        <p:cNvPr id="1" name=""/>
-        <p:cNvGrpSpPr/>
-        <p:nvPr/>
-      </p:nvGrpSpPr>
-      <p:grpSpPr>
-        <a:xfrm>
-          <a:off x="0" y="0"/>
-          <a:ext cx="0" cy="0"/>
-          <a:chOff x="0" y="0"/>
-          <a:chExt cx="0" cy="0"/>
-        </a:xfrm>
-      </p:grpSpPr>
-      <p:sp>
-        <p:nvSpPr>
-          <p:cNvPr id="2" name="Title 1">
-            <a:extLst>
-              <a:ext uri="{FF2B5EF4-FFF2-40B4-BE49-F238E27FC236}">
-                <a16:creationId xmlns:a16="http://schemas.microsoft.com/office/drawing/2014/main" id="{5530E001-A8DB-4954-A6B9-B34ED26C88B0}"/>
-              </a:ext>
-            </a:extLst>
-          </p:cNvPr>
-          <p:cNvSpPr>
-            <a:spLocks noGrp="1"/>
-          </p:cNvSpPr>
-          <p:nvPr>
-            <p:ph type="title"/>
-          </p:nvPr>
-        </p:nvSpPr>
-        <p:spPr/>
-        <p:txBody>
-          <a:bodyPr/>
-          <a:lstStyle/>
-          <a:p>
-            <a:r>
-              <a:rPr lang="en-US" dirty="0"/>
-              <a:t>Data Structure</a:t>
-            </a:r>
-          </a:p>
-        </p:txBody>
-      </p:sp>
-      <p:sp>
-        <p:nvSpPr>
-          <p:cNvPr id="3" name="Content Placeholder 2">
-            <a:extLst>
-              <a:ext uri="{FF2B5EF4-FFF2-40B4-BE49-F238E27FC236}">
-                <a16:creationId xmlns:a16="http://schemas.microsoft.com/office/drawing/2014/main" id="{E87D1561-59DB-4C96-AAD6-5C37D7BF44EC}"/>
-              </a:ext>
-            </a:extLst>
-          </p:cNvPr>
-          <p:cNvSpPr>
-            <a:spLocks noGrp="1"/>
-          </p:cNvSpPr>
-          <p:nvPr>
-            <p:ph idx="1"/>
-          </p:nvPr>
-        </p:nvSpPr>
-        <p:spPr>
-          <a:xfrm>
-            <a:off x="1517904" y="2212848"/>
-            <a:ext cx="9144000" cy="3127248"/>
-          </a:xfrm>
-        </p:spPr>
-        <p:txBody>
-          <a:bodyPr/>
-          <a:lstStyle/>
-          <a:p>
-            <a:r>
-              <a:rPr lang="en-US" dirty="0"/>
-              <a:t>Two headers, contain two classes</a:t>
-            </a:r>
-          </a:p>
-          <a:p>
-            <a:r>
-              <a:rPr lang="en-US" dirty="0"/>
-              <a:t>Class Dictionary: contain word string, word ID, appeared document ID in title/content</a:t>
-            </a:r>
-          </a:p>
-        </p:txBody>
-      </p:sp>
-      <p:pic>
-        <p:nvPicPr>
-          <p:cNvPr id="5" name="Picture 4" descr="Text&#10;&#10;Description automatically generated">
-            <a:extLst>
-              <a:ext uri="{FF2B5EF4-FFF2-40B4-BE49-F238E27FC236}">
-                <a16:creationId xmlns:a16="http://schemas.microsoft.com/office/drawing/2014/main" id="{16CF38F0-D4AA-4008-8669-D0BEBF257971}"/>
-              </a:ext>
-            </a:extLst>
-          </p:cNvPr>
-          <p:cNvPicPr>
-            <a:picLocks noChangeAspect="1"/>
-          </p:cNvPicPr>
-          <p:nvPr/>
-        </p:nvPicPr>
-        <p:blipFill rotWithShape="1">
-          <a:blip r:embed="rId2">
-            <a:extLst>
-              <a:ext uri="{28A0092B-C50C-407E-A947-70E740481C1C}">
-                <a14:useLocalDpi xmlns:a14="http://schemas.microsoft.com/office/drawing/2010/main" val="0"/>
-              </a:ext>
-            </a:extLst>
-          </a:blip>
-          <a:srcRect l="2921" t="6109" r="2990" b="8022"/>
-          <a:stretch/>
-        </p:blipFill>
-        <p:spPr>
-          <a:xfrm>
-            <a:off x="2014537" y="3557016"/>
-            <a:ext cx="8162925" cy="3183650"/>
-          </a:xfrm>
-          <a:prstGeom prst="rect">
-            <a:avLst/>
-          </a:prstGeom>
-        </p:spPr>
-      </p:pic>
-    </p:spTree>
-    <p:extLst>
-      <p:ext uri="{BB962C8B-B14F-4D97-AF65-F5344CB8AC3E}">
-        <p14:creationId xmlns:p14="http://schemas.microsoft.com/office/powerpoint/2010/main" val="4004295929"/>
-      </p:ext>
-    </p:extLst>
-  </p:cSld>
-  <p:clrMapOvr>
-    <a:masterClrMapping/>
-  </p:clrMapOvr>
+  <mc:AlternateContent xmlns:mc="http://schemas.openxmlformats.org/markup-compatibility/2006">
+    <mc:Choice xmlns:p14="http://schemas.microsoft.com/office/powerpoint/2010/main" Requires="p14">
+      <p:transition spd="med" p14:dur="700">
+        <p:fade/>
+      </p:transition>
+    </mc:Choice>
+    <mc:Fallback>
+      <p:transition spd="med">
+        <p:fade/>
+      </p:transition>
+    </mc:Fallback>
+  </mc:AlternateContent>
 </p:sld>
 </file>
 
